--- a/Lecture#7/Lecture_7_handout.pptx
+++ b/Lecture#7/Lecture_7_handout.pptx
@@ -6,24 +6,26 @@
     <p:sldMasterId id="2147483665" r:id="rId2"/>
   </p:sldMasterIdLst>
   <p:notesMasterIdLst>
-    <p:notesMasterId r:id="rId15"/>
+    <p:notesMasterId r:id="rId17"/>
   </p:notesMasterIdLst>
   <p:handoutMasterIdLst>
-    <p:handoutMasterId r:id="rId16"/>
+    <p:handoutMasterId r:id="rId18"/>
   </p:handoutMasterIdLst>
   <p:sldIdLst>
     <p:sldId id="260" r:id="rId3"/>
     <p:sldId id="326" r:id="rId4"/>
     <p:sldId id="328" r:id="rId5"/>
-    <p:sldId id="333" r:id="rId6"/>
-    <p:sldId id="327" r:id="rId7"/>
-    <p:sldId id="329" r:id="rId8"/>
-    <p:sldId id="330" r:id="rId9"/>
-    <p:sldId id="331" r:id="rId10"/>
-    <p:sldId id="332" r:id="rId11"/>
-    <p:sldId id="334" r:id="rId12"/>
-    <p:sldId id="335" r:id="rId13"/>
-    <p:sldId id="336" r:id="rId14"/>
+    <p:sldId id="337" r:id="rId6"/>
+    <p:sldId id="333" r:id="rId7"/>
+    <p:sldId id="327" r:id="rId8"/>
+    <p:sldId id="329" r:id="rId9"/>
+    <p:sldId id="330" r:id="rId10"/>
+    <p:sldId id="338" r:id="rId11"/>
+    <p:sldId id="331" r:id="rId12"/>
+    <p:sldId id="332" r:id="rId13"/>
+    <p:sldId id="334" r:id="rId14"/>
+    <p:sldId id="335" r:id="rId15"/>
+    <p:sldId id="336" r:id="rId16"/>
   </p:sldIdLst>
   <p:sldSz cx="10058400" cy="7772400"/>
   <p:notesSz cx="7315200" cy="9601200"/>
@@ -276,7 +278,7 @@
                 </a:solidFill>
               </a:rPr>
               <a:pPr/>
-              <a:t>9/17/2019</a:t>
+              <a:t>9/19/2019</a:t>
             </a:fld>
             <a:endParaRPr lang="en-US" dirty="0">
               <a:solidFill>
@@ -437,7 +439,7 @@
             <a:fld id="{DBF7D493-8EEB-7E45-916B-5FBC49ABC710}" type="datetimeFigureOut">
               <a:rPr lang="en-US" smtClean="0"/>
               <a:pPr/>
-              <a:t>9/17/2019</a:t>
+              <a:t>9/19/2019</a:t>
             </a:fld>
             <a:endParaRPr lang="en-US" dirty="0"/>
           </a:p>
@@ -836,6 +838,189 @@
     <p:extLst>
       <p:ext uri="{BB962C8B-B14F-4D97-AF65-F5344CB8AC3E}">
         <p14:creationId xmlns:p14="http://schemas.microsoft.com/office/powerpoint/2010/main" val="4076746452"/>
+      </p:ext>
+    </p:extLst>
+  </p:cSld>
+  <p:clrMapOvr>
+    <a:masterClrMapping/>
+  </p:clrMapOvr>
+</p:notes>
+</file>
+
+<file path=ppt/notesSlides/notesSlide3.xml><?xml version="1.0" encoding="utf-8"?>
+<p:notes xmlns:a="http://schemas.openxmlformats.org/drawingml/2006/main" xmlns:r="http://schemas.openxmlformats.org/officeDocument/2006/relationships" xmlns:p="http://schemas.openxmlformats.org/presentationml/2006/main">
+  <p:cSld>
+    <p:spTree>
+      <p:nvGrpSpPr>
+        <p:cNvPr id="1" name=""/>
+        <p:cNvGrpSpPr/>
+        <p:nvPr/>
+      </p:nvGrpSpPr>
+      <p:grpSpPr>
+        <a:xfrm>
+          <a:off x="0" y="0"/>
+          <a:ext cx="0" cy="0"/>
+          <a:chOff x="0" y="0"/>
+          <a:chExt cx="0" cy="0"/>
+        </a:xfrm>
+      </p:grpSpPr>
+      <p:sp>
+        <p:nvSpPr>
+          <p:cNvPr id="2" name="Slide Image Placeholder 1"/>
+          <p:cNvSpPr>
+            <a:spLocks noGrp="1" noRot="1" noChangeAspect="1"/>
+          </p:cNvSpPr>
+          <p:nvPr>
+            <p:ph type="sldImg"/>
+          </p:nvPr>
+        </p:nvSpPr>
+        <p:spPr/>
+      </p:sp>
+      <p:sp>
+        <p:nvSpPr>
+          <p:cNvPr id="3" name="Notes Placeholder 2"/>
+          <p:cNvSpPr>
+            <a:spLocks noGrp="1"/>
+          </p:cNvSpPr>
+          <p:nvPr>
+            <p:ph type="body" idx="1"/>
+          </p:nvPr>
+        </p:nvSpPr>
+        <p:spPr/>
+        <p:txBody>
+          <a:bodyPr/>
+          <a:lstStyle/>
+          <a:p>
+            <a:endParaRPr lang="en-US" dirty="0"/>
+          </a:p>
+        </p:txBody>
+      </p:sp>
+    </p:spTree>
+    <p:extLst>
+      <p:ext uri="{BB962C8B-B14F-4D97-AF65-F5344CB8AC3E}">
+        <p14:creationId xmlns:p14="http://schemas.microsoft.com/office/powerpoint/2010/main" val="2631196227"/>
+      </p:ext>
+    </p:extLst>
+  </p:cSld>
+  <p:clrMapOvr>
+    <a:masterClrMapping/>
+  </p:clrMapOvr>
+</p:notes>
+</file>
+
+<file path=ppt/notesSlides/notesSlide4.xml><?xml version="1.0" encoding="utf-8"?>
+<p:notes xmlns:a="http://schemas.openxmlformats.org/drawingml/2006/main" xmlns:r="http://schemas.openxmlformats.org/officeDocument/2006/relationships" xmlns:p="http://schemas.openxmlformats.org/presentationml/2006/main">
+  <p:cSld>
+    <p:spTree>
+      <p:nvGrpSpPr>
+        <p:cNvPr id="1" name=""/>
+        <p:cNvGrpSpPr/>
+        <p:nvPr/>
+      </p:nvGrpSpPr>
+      <p:grpSpPr>
+        <a:xfrm>
+          <a:off x="0" y="0"/>
+          <a:ext cx="0" cy="0"/>
+          <a:chOff x="0" y="0"/>
+          <a:chExt cx="0" cy="0"/>
+        </a:xfrm>
+      </p:grpSpPr>
+      <p:sp>
+        <p:nvSpPr>
+          <p:cNvPr id="2" name="Slide Image Placeholder 1"/>
+          <p:cNvSpPr>
+            <a:spLocks noGrp="1" noRot="1" noChangeAspect="1"/>
+          </p:cNvSpPr>
+          <p:nvPr>
+            <p:ph type="sldImg"/>
+          </p:nvPr>
+        </p:nvSpPr>
+        <p:spPr/>
+      </p:sp>
+      <p:sp>
+        <p:nvSpPr>
+          <p:cNvPr id="3" name="Notes Placeholder 2"/>
+          <p:cNvSpPr>
+            <a:spLocks noGrp="1"/>
+          </p:cNvSpPr>
+          <p:nvPr>
+            <p:ph type="body" idx="1"/>
+          </p:nvPr>
+        </p:nvSpPr>
+        <p:spPr/>
+        <p:txBody>
+          <a:bodyPr/>
+          <a:lstStyle/>
+          <a:p>
+            <a:endParaRPr lang="en-US" dirty="0"/>
+          </a:p>
+        </p:txBody>
+      </p:sp>
+    </p:spTree>
+    <p:extLst>
+      <p:ext uri="{BB962C8B-B14F-4D97-AF65-F5344CB8AC3E}">
+        <p14:creationId xmlns:p14="http://schemas.microsoft.com/office/powerpoint/2010/main" val="5598370"/>
+      </p:ext>
+    </p:extLst>
+  </p:cSld>
+  <p:clrMapOvr>
+    <a:masterClrMapping/>
+  </p:clrMapOvr>
+</p:notes>
+</file>
+
+<file path=ppt/notesSlides/notesSlide5.xml><?xml version="1.0" encoding="utf-8"?>
+<p:notes xmlns:a="http://schemas.openxmlformats.org/drawingml/2006/main" xmlns:r="http://schemas.openxmlformats.org/officeDocument/2006/relationships" xmlns:p="http://schemas.openxmlformats.org/presentationml/2006/main">
+  <p:cSld>
+    <p:spTree>
+      <p:nvGrpSpPr>
+        <p:cNvPr id="1" name=""/>
+        <p:cNvGrpSpPr/>
+        <p:nvPr/>
+      </p:nvGrpSpPr>
+      <p:grpSpPr>
+        <a:xfrm>
+          <a:off x="0" y="0"/>
+          <a:ext cx="0" cy="0"/>
+          <a:chOff x="0" y="0"/>
+          <a:chExt cx="0" cy="0"/>
+        </a:xfrm>
+      </p:grpSpPr>
+      <p:sp>
+        <p:nvSpPr>
+          <p:cNvPr id="2" name="Slide Image Placeholder 1"/>
+          <p:cNvSpPr>
+            <a:spLocks noGrp="1" noRot="1" noChangeAspect="1"/>
+          </p:cNvSpPr>
+          <p:nvPr>
+            <p:ph type="sldImg"/>
+          </p:nvPr>
+        </p:nvSpPr>
+        <p:spPr/>
+      </p:sp>
+      <p:sp>
+        <p:nvSpPr>
+          <p:cNvPr id="3" name="Notes Placeholder 2"/>
+          <p:cNvSpPr>
+            <a:spLocks noGrp="1"/>
+          </p:cNvSpPr>
+          <p:nvPr>
+            <p:ph type="body" idx="1"/>
+          </p:nvPr>
+        </p:nvSpPr>
+        <p:spPr/>
+        <p:txBody>
+          <a:bodyPr/>
+          <a:lstStyle/>
+          <a:p>
+            <a:endParaRPr lang="en-US" dirty="0"/>
+          </a:p>
+        </p:txBody>
+      </p:sp>
+    </p:spTree>
+    <p:extLst>
+      <p:ext uri="{BB962C8B-B14F-4D97-AF65-F5344CB8AC3E}">
+        <p14:creationId xmlns:p14="http://schemas.microsoft.com/office/powerpoint/2010/main" val="3956162907"/>
       </p:ext>
     </p:extLst>
   </p:cSld>
@@ -3046,6 +3231,665 @@
           <a:p>
             <a:r>
               <a:rPr lang="en-US" dirty="0"/>
+              <a:t>Operators (continued)</a:t>
+            </a:r>
+          </a:p>
+        </p:txBody>
+      </p:sp>
+      <p:sp>
+        <p:nvSpPr>
+          <p:cNvPr id="3" name="Text Placeholder 2"/>
+          <p:cNvSpPr>
+            <a:spLocks noGrp="1"/>
+          </p:cNvSpPr>
+          <p:nvPr>
+            <p:ph type="body" sz="quarter" idx="12"/>
+          </p:nvPr>
+        </p:nvSpPr>
+        <p:spPr/>
+        <p:txBody>
+          <a:bodyPr/>
+          <a:lstStyle/>
+          <a:p>
+            <a:r>
+              <a:rPr lang="en-US" sz="2400" dirty="0">
+                <a:solidFill>
+                  <a:schemeClr val="tx1"/>
+                </a:solidFill>
+              </a:rPr>
+              <a:t>Increment/Decrement Operators: ++, -- (post vs. pre) </a:t>
+            </a:r>
+          </a:p>
+          <a:p>
+            <a:pPr marL="509412" lvl="1" indent="0">
+              <a:buNone/>
+            </a:pPr>
+            <a:r>
+              <a:rPr lang="en-US" sz="2400" dirty="0">
+                <a:solidFill>
+                  <a:schemeClr val="tx1"/>
+                </a:solidFill>
+              </a:rPr>
+              <a:t>example: </a:t>
+            </a:r>
+            <a:r>
+              <a:rPr lang="en-US" sz="2400" u="sng" dirty="0">
+                <a:solidFill>
+                  <a:schemeClr val="tx1"/>
+                </a:solidFill>
+                <a:latin typeface="Courier" charset="0"/>
+                <a:ea typeface="Courier" charset="0"/>
+                <a:cs typeface="Courier" charset="0"/>
+              </a:rPr>
+              <a:t>x = 4; y = ++x;</a:t>
+            </a:r>
+            <a:r>
+              <a:rPr lang="en-US" sz="2400" dirty="0">
+                <a:solidFill>
+                  <a:schemeClr val="tx1"/>
+                </a:solidFill>
+                <a:latin typeface="Courier" charset="0"/>
+                <a:ea typeface="Courier" charset="0"/>
+                <a:cs typeface="Courier" charset="0"/>
+              </a:rPr>
+              <a:t> vs. </a:t>
+            </a:r>
+            <a:r>
+              <a:rPr lang="en-US" sz="2400" u="sng" dirty="0">
+                <a:solidFill>
+                  <a:schemeClr val="tx1"/>
+                </a:solidFill>
+                <a:latin typeface="Courier" charset="0"/>
+                <a:ea typeface="Courier" charset="0"/>
+                <a:cs typeface="Courier" charset="0"/>
+              </a:rPr>
+              <a:t>x = 4; y = x++;</a:t>
+            </a:r>
+          </a:p>
+          <a:p>
+            <a:r>
+              <a:rPr lang="en-US" sz="2400" dirty="0">
+                <a:solidFill>
+                  <a:schemeClr val="tx1"/>
+                </a:solidFill>
+              </a:rPr>
+              <a:t>Special operator (conditional): </a:t>
+            </a:r>
+          </a:p>
+          <a:p>
+            <a:pPr marL="509412" lvl="1" indent="0">
+              <a:buNone/>
+            </a:pPr>
+            <a:r>
+              <a:rPr lang="en-US" sz="2400" dirty="0">
+                <a:solidFill>
+                  <a:schemeClr val="tx1"/>
+                </a:solidFill>
+              </a:rPr>
+              <a:t>variable = condition ? </a:t>
+            </a:r>
+            <a:r>
+              <a:rPr lang="en-US" sz="2400" dirty="0" err="1">
+                <a:solidFill>
+                  <a:schemeClr val="tx1"/>
+                </a:solidFill>
+              </a:rPr>
+              <a:t>value_if_true</a:t>
+            </a:r>
+            <a:r>
+              <a:rPr lang="en-US" sz="2400" dirty="0">
+                <a:solidFill>
+                  <a:schemeClr val="tx1"/>
+                </a:solidFill>
+              </a:rPr>
+              <a:t> : </a:t>
+            </a:r>
+            <a:r>
+              <a:rPr lang="en-US" sz="2400" dirty="0" err="1">
+                <a:solidFill>
+                  <a:schemeClr val="tx1"/>
+                </a:solidFill>
+              </a:rPr>
+              <a:t>value_if_false</a:t>
+            </a:r>
+            <a:r>
+              <a:rPr lang="en-US" sz="2400" dirty="0">
+                <a:solidFill>
+                  <a:schemeClr val="tx1"/>
+                </a:solidFill>
+              </a:rPr>
+              <a:t>; </a:t>
+            </a:r>
+          </a:p>
+          <a:p>
+            <a:pPr marL="509412" lvl="1" indent="0">
+              <a:buNone/>
+            </a:pPr>
+            <a:r>
+              <a:rPr lang="en-US" sz="2400" dirty="0">
+                <a:solidFill>
+                  <a:schemeClr val="tx1"/>
+                </a:solidFill>
+              </a:rPr>
+              <a:t>example: </a:t>
+            </a:r>
+            <a:r>
+              <a:rPr lang="en-US" sz="2400" dirty="0">
+                <a:solidFill>
+                  <a:schemeClr val="tx1"/>
+                </a:solidFill>
+                <a:latin typeface="Courier" charset="0"/>
+                <a:ea typeface="Courier" charset="0"/>
+                <a:cs typeface="Courier" charset="0"/>
+              </a:rPr>
+              <a:t>x = (y&lt;z) ? 5 : 7</a:t>
+            </a:r>
+          </a:p>
+          <a:p>
+            <a:r>
+              <a:rPr lang="en-US" sz="2400" dirty="0">
+                <a:solidFill>
+                  <a:schemeClr val="tx1"/>
+                </a:solidFill>
+              </a:rPr>
+              <a:t>Compound Assignment Operators:</a:t>
+            </a:r>
+          </a:p>
+          <a:p>
+            <a:pPr marL="0" indent="0">
+              <a:buNone/>
+            </a:pPr>
+            <a:r>
+              <a:rPr lang="en-US" sz="2400" dirty="0">
+                <a:solidFill>
+                  <a:schemeClr val="tx1"/>
+                </a:solidFill>
+              </a:rPr>
+              <a:t>	</a:t>
+            </a:r>
+            <a:r>
+              <a:rPr lang="en-US" sz="2400" dirty="0">
+                <a:solidFill>
+                  <a:schemeClr val="tx1"/>
+                </a:solidFill>
+                <a:latin typeface="Courier" charset="0"/>
+                <a:ea typeface="Courier" charset="0"/>
+                <a:cs typeface="Courier" charset="0"/>
+              </a:rPr>
+              <a:t>a += b; </a:t>
+            </a:r>
+            <a:r>
+              <a:rPr lang="en-US" sz="2400" dirty="0">
+                <a:solidFill>
+                  <a:schemeClr val="tx1"/>
+                </a:solidFill>
+              </a:rPr>
+              <a:t>&lt;--&gt;  </a:t>
+            </a:r>
+            <a:r>
+              <a:rPr lang="en-US" sz="2400" dirty="0">
+                <a:solidFill>
+                  <a:schemeClr val="tx1"/>
+                </a:solidFill>
+                <a:latin typeface="Courier" charset="0"/>
+                <a:ea typeface="Courier" charset="0"/>
+                <a:cs typeface="Courier" charset="0"/>
+              </a:rPr>
+              <a:t>a = a + b;</a:t>
+            </a:r>
+          </a:p>
+          <a:p>
+            <a:pPr marL="0" indent="0">
+              <a:buNone/>
+            </a:pPr>
+            <a:endParaRPr lang="en-US" sz="2400" dirty="0">
+              <a:solidFill>
+                <a:schemeClr val="tx1"/>
+              </a:solidFill>
+            </a:endParaRPr>
+          </a:p>
+          <a:p>
+            <a:pPr marL="0" indent="0">
+              <a:buNone/>
+            </a:pPr>
+            <a:r>
+              <a:rPr lang="en-US" sz="2400" dirty="0">
+                <a:solidFill>
+                  <a:schemeClr val="tx1"/>
+                </a:solidFill>
+              </a:rPr>
+              <a:t>Expression with multiple operators (Table 12.5 of textbook)</a:t>
+            </a:r>
+          </a:p>
+          <a:p>
+            <a:pPr marL="0" indent="0">
+              <a:buNone/>
+            </a:pPr>
+            <a:endParaRPr lang="en-US" sz="2400" b="1" dirty="0"/>
+          </a:p>
+        </p:txBody>
+      </p:sp>
+      <p:sp>
+        <p:nvSpPr>
+          <p:cNvPr id="4" name="TextBox 3"/>
+          <p:cNvSpPr txBox="1"/>
+          <p:nvPr/>
+        </p:nvSpPr>
+        <p:spPr>
+          <a:xfrm>
+            <a:off x="9647865" y="6614042"/>
+            <a:ext cx="314510" cy="400110"/>
+          </a:xfrm>
+          <a:prstGeom prst="rect">
+            <a:avLst/>
+          </a:prstGeom>
+          <a:noFill/>
+        </p:spPr>
+        <p:txBody>
+          <a:bodyPr wrap="none" rtlCol="0">
+            <a:spAutoFit/>
+          </a:bodyPr>
+          <a:lstStyle/>
+          <a:p>
+            <a:r>
+              <a:rPr lang="en-US" dirty="0"/>
+              <a:t>8</a:t>
+            </a:r>
+          </a:p>
+        </p:txBody>
+      </p:sp>
+    </p:spTree>
+    <p:extLst>
+      <p:ext uri="{BB962C8B-B14F-4D97-AF65-F5344CB8AC3E}">
+        <p14:creationId xmlns:p14="http://schemas.microsoft.com/office/powerpoint/2010/main" val="804526651"/>
+      </p:ext>
+    </p:extLst>
+  </p:cSld>
+  <p:clrMapOvr>
+    <a:masterClrMapping/>
+  </p:clrMapOvr>
+</p:sld>
+</file>
+
+<file path=ppt/slides/slide11.xml><?xml version="1.0" encoding="utf-8"?>
+<p:sld xmlns:a="http://schemas.openxmlformats.org/drawingml/2006/main" xmlns:r="http://schemas.openxmlformats.org/officeDocument/2006/relationships" xmlns:p="http://schemas.openxmlformats.org/presentationml/2006/main">
+  <p:cSld>
+    <p:spTree>
+      <p:nvGrpSpPr>
+        <p:cNvPr id="1" name=""/>
+        <p:cNvGrpSpPr/>
+        <p:nvPr/>
+      </p:nvGrpSpPr>
+      <p:grpSpPr>
+        <a:xfrm>
+          <a:off x="0" y="0"/>
+          <a:ext cx="0" cy="0"/>
+          <a:chOff x="0" y="0"/>
+          <a:chExt cx="0" cy="0"/>
+        </a:xfrm>
+      </p:grpSpPr>
+      <p:sp>
+        <p:nvSpPr>
+          <p:cNvPr id="2" name="Text Placeholder 1"/>
+          <p:cNvSpPr>
+            <a:spLocks noGrp="1"/>
+          </p:cNvSpPr>
+          <p:nvPr>
+            <p:ph type="body" sz="quarter" idx="10"/>
+          </p:nvPr>
+        </p:nvSpPr>
+        <p:spPr>
+          <a:xfrm>
+            <a:off x="402265" y="306388"/>
+            <a:ext cx="9245600" cy="742950"/>
+          </a:xfrm>
+        </p:spPr>
+        <p:txBody>
+          <a:bodyPr/>
+          <a:lstStyle/>
+          <a:p>
+            <a:r>
+              <a:rPr lang="en-US" dirty="0"/>
+              <a:t>Basic I/O</a:t>
+            </a:r>
+          </a:p>
+        </p:txBody>
+      </p:sp>
+      <p:sp>
+        <p:nvSpPr>
+          <p:cNvPr id="3" name="Text Placeholder 2"/>
+          <p:cNvSpPr>
+            <a:spLocks noGrp="1"/>
+          </p:cNvSpPr>
+          <p:nvPr>
+            <p:ph type="body" sz="quarter" idx="12"/>
+          </p:nvPr>
+        </p:nvSpPr>
+        <p:spPr>
+          <a:xfrm>
+            <a:off x="444500" y="1004888"/>
+            <a:ext cx="9245600" cy="4826000"/>
+          </a:xfrm>
+        </p:spPr>
+        <p:txBody>
+          <a:bodyPr/>
+          <a:lstStyle/>
+          <a:p>
+            <a:pPr marL="0" indent="0">
+              <a:buNone/>
+            </a:pPr>
+            <a:r>
+              <a:rPr lang="en-US" sz="2400" b="1" dirty="0">
+                <a:solidFill>
+                  <a:srgbClr val="CE1B22"/>
+                </a:solidFill>
+              </a:rPr>
+              <a:t>#include &lt;</a:t>
+            </a:r>
+            <a:r>
+              <a:rPr lang="en-US" sz="2400" b="1" dirty="0" err="1">
+                <a:solidFill>
+                  <a:srgbClr val="CE1B22"/>
+                </a:solidFill>
+              </a:rPr>
+              <a:t>stdio.h</a:t>
+            </a:r>
+            <a:r>
+              <a:rPr lang="en-US" sz="2400" b="1" dirty="0">
+                <a:solidFill>
+                  <a:srgbClr val="CE1B22"/>
+                </a:solidFill>
+              </a:rPr>
+              <a:t>&gt;			</a:t>
+            </a:r>
+            <a:r>
+              <a:rPr lang="en-US" sz="2400" dirty="0">
+                <a:solidFill>
+                  <a:schemeClr val="tx1"/>
+                </a:solidFill>
+              </a:rPr>
+              <a:t>/* header file for Standard Input Output */</a:t>
+            </a:r>
+          </a:p>
+          <a:p>
+            <a:pPr marL="0" indent="0">
+              <a:buNone/>
+            </a:pPr>
+            <a:endParaRPr lang="en-US" sz="1000" dirty="0">
+              <a:solidFill>
+                <a:schemeClr val="tx1"/>
+              </a:solidFill>
+            </a:endParaRPr>
+          </a:p>
+          <a:p>
+            <a:r>
+              <a:rPr lang="en-US" sz="2400" b="1" dirty="0" err="1">
+                <a:solidFill>
+                  <a:schemeClr val="tx1"/>
+                </a:solidFill>
+              </a:rPr>
+              <a:t>printf</a:t>
+            </a:r>
+            <a:r>
+              <a:rPr lang="en-US" sz="2400" b="1" dirty="0">
+                <a:solidFill>
+                  <a:schemeClr val="tx1"/>
+                </a:solidFill>
+              </a:rPr>
+              <a:t> examples</a:t>
+            </a:r>
+          </a:p>
+          <a:p>
+            <a:endParaRPr lang="en-US" sz="2400" b="1" dirty="0">
+              <a:solidFill>
+                <a:schemeClr val="tx1"/>
+              </a:solidFill>
+            </a:endParaRPr>
+          </a:p>
+          <a:p>
+            <a:endParaRPr lang="en-US" sz="2400" b="1" dirty="0">
+              <a:solidFill>
+                <a:schemeClr val="tx1"/>
+              </a:solidFill>
+            </a:endParaRPr>
+          </a:p>
+          <a:p>
+            <a:endParaRPr lang="en-US" sz="2400" b="1" dirty="0">
+              <a:solidFill>
+                <a:schemeClr val="tx1"/>
+              </a:solidFill>
+            </a:endParaRPr>
+          </a:p>
+          <a:p>
+            <a:endParaRPr lang="en-US" sz="2400" b="1" dirty="0">
+              <a:solidFill>
+                <a:schemeClr val="tx1"/>
+              </a:solidFill>
+            </a:endParaRPr>
+          </a:p>
+          <a:p>
+            <a:r>
+              <a:rPr lang="en-US" sz="2400" b="1" dirty="0" err="1">
+                <a:solidFill>
+                  <a:schemeClr val="tx1"/>
+                </a:solidFill>
+              </a:rPr>
+              <a:t>scanf</a:t>
+            </a:r>
+            <a:r>
+              <a:rPr lang="en-US" sz="2400" b="1" dirty="0">
+                <a:solidFill>
+                  <a:schemeClr val="tx1"/>
+                </a:solidFill>
+              </a:rPr>
+              <a:t> examples</a:t>
+            </a:r>
+          </a:p>
+          <a:p>
+            <a:endParaRPr lang="en-US" sz="2400" b="1" dirty="0">
+              <a:solidFill>
+                <a:schemeClr val="tx1"/>
+              </a:solidFill>
+            </a:endParaRPr>
+          </a:p>
+          <a:p>
+            <a:pPr marL="0" indent="0">
+              <a:buNone/>
+            </a:pPr>
+            <a:endParaRPr lang="en-US" sz="2400" b="1" dirty="0">
+              <a:solidFill>
+                <a:schemeClr val="tx1"/>
+              </a:solidFill>
+            </a:endParaRPr>
+          </a:p>
+          <a:p>
+            <a:pPr marL="0" indent="0">
+              <a:buNone/>
+            </a:pPr>
+            <a:endParaRPr lang="en-US" sz="1800" b="1" dirty="0">
+              <a:solidFill>
+                <a:schemeClr val="tx1"/>
+              </a:solidFill>
+            </a:endParaRPr>
+          </a:p>
+          <a:p>
+            <a:pPr marL="0" indent="0">
+              <a:buNone/>
+            </a:pPr>
+            <a:r>
+              <a:rPr lang="en-US" sz="2400" dirty="0">
+                <a:solidFill>
+                  <a:schemeClr val="tx1"/>
+                </a:solidFill>
+              </a:rPr>
+              <a:t>Formatting option: %d, %x, %c, %s, %f, \n, </a:t>
+            </a:r>
+          </a:p>
+          <a:p>
+            <a:pPr marL="0" indent="0">
+              <a:buNone/>
+            </a:pPr>
+            <a:endParaRPr lang="en-US" sz="1000" dirty="0">
+              <a:solidFill>
+                <a:schemeClr val="tx1"/>
+              </a:solidFill>
+            </a:endParaRPr>
+          </a:p>
+          <a:p>
+            <a:pPr marL="0" indent="0">
+              <a:buNone/>
+            </a:pPr>
+            <a:r>
+              <a:rPr lang="en-US" sz="2400" dirty="0">
+                <a:solidFill>
+                  <a:schemeClr val="tx1"/>
+                </a:solidFill>
+              </a:rPr>
+              <a:t>Use “</a:t>
+            </a:r>
+            <a:r>
+              <a:rPr lang="en-US" sz="2400" b="1" dirty="0">
+                <a:solidFill>
+                  <a:schemeClr val="tx1"/>
+                </a:solidFill>
+              </a:rPr>
+              <a:t>man</a:t>
+            </a:r>
+            <a:r>
+              <a:rPr lang="en-US" sz="2400" dirty="0">
+                <a:solidFill>
+                  <a:schemeClr val="tx1"/>
+                </a:solidFill>
+              </a:rPr>
+              <a:t>” to look up library functions</a:t>
+            </a:r>
+          </a:p>
+        </p:txBody>
+      </p:sp>
+      <p:sp>
+        <p:nvSpPr>
+          <p:cNvPr id="4" name="TextBox 3"/>
+          <p:cNvSpPr txBox="1"/>
+          <p:nvPr/>
+        </p:nvSpPr>
+        <p:spPr>
+          <a:xfrm>
+            <a:off x="9647865" y="6614042"/>
+            <a:ext cx="314510" cy="400110"/>
+          </a:xfrm>
+          <a:prstGeom prst="rect">
+            <a:avLst/>
+          </a:prstGeom>
+          <a:noFill/>
+        </p:spPr>
+        <p:txBody>
+          <a:bodyPr wrap="none" rtlCol="0">
+            <a:spAutoFit/>
+          </a:bodyPr>
+          <a:lstStyle/>
+          <a:p>
+            <a:r>
+              <a:rPr lang="en-US" dirty="0"/>
+              <a:t>9</a:t>
+            </a:r>
+          </a:p>
+        </p:txBody>
+      </p:sp>
+      <p:pic>
+        <p:nvPicPr>
+          <p:cNvPr id="5" name="Picture 4"/>
+          <p:cNvPicPr>
+            <a:picLocks noChangeAspect="1"/>
+          </p:cNvPicPr>
+          <p:nvPr/>
+        </p:nvPicPr>
+        <p:blipFill>
+          <a:blip r:embed="rId2"/>
+          <a:stretch>
+            <a:fillRect/>
+          </a:stretch>
+        </p:blipFill>
+        <p:spPr>
+          <a:xfrm>
+            <a:off x="4076700" y="2163768"/>
+            <a:ext cx="4927600" cy="1428132"/>
+          </a:xfrm>
+          <a:prstGeom prst="rect">
+            <a:avLst/>
+          </a:prstGeom>
+        </p:spPr>
+      </p:pic>
+      <p:pic>
+        <p:nvPicPr>
+          <p:cNvPr id="6" name="Picture 5"/>
+          <p:cNvPicPr>
+            <a:picLocks noChangeAspect="1"/>
+          </p:cNvPicPr>
+          <p:nvPr/>
+        </p:nvPicPr>
+        <p:blipFill>
+          <a:blip r:embed="rId3"/>
+          <a:stretch>
+            <a:fillRect/>
+          </a:stretch>
+        </p:blipFill>
+        <p:spPr>
+          <a:xfrm>
+            <a:off x="4076700" y="4312625"/>
+            <a:ext cx="3917950" cy="1101569"/>
+          </a:xfrm>
+          <a:prstGeom prst="rect">
+            <a:avLst/>
+          </a:prstGeom>
+        </p:spPr>
+      </p:pic>
+    </p:spTree>
+    <p:extLst>
+      <p:ext uri="{BB962C8B-B14F-4D97-AF65-F5344CB8AC3E}">
+        <p14:creationId xmlns:p14="http://schemas.microsoft.com/office/powerpoint/2010/main" val="550904017"/>
+      </p:ext>
+    </p:extLst>
+  </p:cSld>
+  <p:clrMapOvr>
+    <a:masterClrMapping/>
+  </p:clrMapOvr>
+</p:sld>
+</file>
+
+<file path=ppt/slides/slide12.xml><?xml version="1.0" encoding="utf-8"?>
+<p:sld xmlns:a="http://schemas.openxmlformats.org/drawingml/2006/main" xmlns:r="http://schemas.openxmlformats.org/officeDocument/2006/relationships" xmlns:p="http://schemas.openxmlformats.org/presentationml/2006/main">
+  <p:cSld>
+    <p:spTree>
+      <p:nvGrpSpPr>
+        <p:cNvPr id="1" name=""/>
+        <p:cNvGrpSpPr/>
+        <p:nvPr/>
+      </p:nvGrpSpPr>
+      <p:grpSpPr>
+        <a:xfrm>
+          <a:off x="0" y="0"/>
+          <a:ext cx="0" cy="0"/>
+          <a:chOff x="0" y="0"/>
+          <a:chExt cx="0" cy="0"/>
+        </a:xfrm>
+      </p:grpSpPr>
+      <p:sp>
+        <p:nvSpPr>
+          <p:cNvPr id="2" name="Text Placeholder 1"/>
+          <p:cNvSpPr>
+            <a:spLocks noGrp="1"/>
+          </p:cNvSpPr>
+          <p:nvPr>
+            <p:ph type="body" sz="quarter" idx="10"/>
+          </p:nvPr>
+        </p:nvSpPr>
+        <p:spPr/>
+        <p:txBody>
+          <a:bodyPr/>
+          <a:lstStyle/>
+          <a:p>
+            <a:r>
+              <a:rPr lang="en-US" dirty="0"/>
               <a:t>C Programming Exercise 1</a:t>
             </a:r>
           </a:p>
@@ -3381,7 +4225,7 @@
 </p:sld>
 </file>
 
-<file path=ppt/slides/slide11.xml><?xml version="1.0" encoding="utf-8"?>
+<file path=ppt/slides/slide13.xml><?xml version="1.0" encoding="utf-8"?>
 <p:sld xmlns:a="http://schemas.openxmlformats.org/drawingml/2006/main" xmlns:r="http://schemas.openxmlformats.org/officeDocument/2006/relationships" xmlns:p="http://schemas.openxmlformats.org/presentationml/2006/main">
   <p:cSld>
     <p:spTree>
@@ -3551,6 +4395,19 @@
             <a:pPr marL="0" indent="0">
               <a:buNone/>
             </a:pPr>
+            <a:endParaRPr lang="en-US" sz="1800" dirty="0" smtClean="0">
+              <a:solidFill>
+                <a:schemeClr val="tx1"/>
+              </a:solidFill>
+              <a:latin typeface="Courier" charset="0"/>
+              <a:ea typeface="Courier" charset="0"/>
+              <a:cs typeface="Courier" charset="0"/>
+            </a:endParaRPr>
+          </a:p>
+          <a:p>
+            <a:pPr marL="0" indent="0">
+              <a:buNone/>
+            </a:pPr>
             <a:endParaRPr lang="en-US" sz="1800" dirty="0">
               <a:solidFill>
                 <a:schemeClr val="tx1"/>
@@ -3564,6 +4421,60 @@
             <a:pPr marL="0" indent="0">
               <a:buNone/>
             </a:pPr>
+            <a:r>
+              <a:rPr lang="en-US" sz="1800" dirty="0" err="1">
+                <a:solidFill>
+                  <a:schemeClr val="tx1"/>
+                </a:solidFill>
+                <a:latin typeface="Courier" charset="0"/>
+                <a:ea typeface="Courier" charset="0"/>
+                <a:cs typeface="Courier" charset="0"/>
+              </a:rPr>
+              <a:t>int</a:t>
+            </a:r>
+            <a:r>
+              <a:rPr lang="en-US" sz="1800" dirty="0">
+                <a:solidFill>
+                  <a:schemeClr val="tx1"/>
+                </a:solidFill>
+                <a:latin typeface="Courier" charset="0"/>
+                <a:ea typeface="Courier" charset="0"/>
+                <a:cs typeface="Courier" charset="0"/>
+              </a:rPr>
+              <a:t> main(){</a:t>
+            </a:r>
+          </a:p>
+          <a:p>
+            <a:pPr marL="0" indent="0">
+              <a:buNone/>
+            </a:pPr>
+            <a:r>
+              <a:rPr lang="en-US" sz="1800" dirty="0">
+                <a:solidFill>
+                  <a:schemeClr val="tx1"/>
+                </a:solidFill>
+                <a:latin typeface="Courier" charset="0"/>
+                <a:ea typeface="Courier" charset="0"/>
+                <a:cs typeface="Courier" charset="0"/>
+              </a:rPr>
+              <a:t>	/* declare floating point variables (radius, circumference) </a:t>
+            </a:r>
+            <a:r>
+              <a:rPr lang="en-US" sz="1800" dirty="0" smtClean="0">
+                <a:solidFill>
+                  <a:schemeClr val="tx1"/>
+                </a:solidFill>
+                <a:latin typeface="Courier" charset="0"/>
+                <a:ea typeface="Courier" charset="0"/>
+                <a:cs typeface="Courier" charset="0"/>
+              </a:rPr>
+              <a:t>*/</a:t>
+            </a:r>
+          </a:p>
+          <a:p>
+            <a:pPr marL="0" indent="0">
+              <a:buNone/>
+            </a:pPr>
             <a:endParaRPr lang="en-US" sz="1800" dirty="0">
               <a:solidFill>
                 <a:schemeClr val="tx1"/>
@@ -3591,7 +4502,7 @@
               <a:buNone/>
             </a:pPr>
             <a:r>
-              <a:rPr lang="en-US" sz="1800" dirty="0" err="1">
+              <a:rPr lang="en-US" sz="1800" dirty="0">
                 <a:solidFill>
                   <a:schemeClr val="tx1"/>
                 </a:solidFill>
@@ -3599,90 +4510,8 @@
                 <a:ea typeface="Courier" charset="0"/>
                 <a:cs typeface="Courier" charset="0"/>
               </a:rPr>
-              <a:t>int</a:t>
-            </a:r>
-            <a:r>
-              <a:rPr lang="en-US" sz="1800" dirty="0">
-                <a:solidFill>
-                  <a:schemeClr val="tx1"/>
-                </a:solidFill>
-                <a:latin typeface="Courier" charset="0"/>
-                <a:ea typeface="Courier" charset="0"/>
-                <a:cs typeface="Courier" charset="0"/>
-              </a:rPr>
-              <a:t> main(){</a:t>
-            </a:r>
-          </a:p>
-          <a:p>
-            <a:pPr marL="0" indent="0">
-              <a:buNone/>
-            </a:pPr>
-            <a:r>
-              <a:rPr lang="en-US" sz="1800" dirty="0">
-                <a:solidFill>
-                  <a:schemeClr val="tx1"/>
-                </a:solidFill>
-                <a:latin typeface="Courier" charset="0"/>
-                <a:ea typeface="Courier" charset="0"/>
-                <a:cs typeface="Courier" charset="0"/>
-              </a:rPr>
-              <a:t>	/* declare floating point variables (radius, circumference) */</a:t>
-            </a:r>
-          </a:p>
-          <a:p>
-            <a:pPr marL="0" indent="0">
-              <a:buNone/>
-            </a:pPr>
-            <a:endParaRPr lang="en-US" sz="1800" dirty="0">
-              <a:solidFill>
-                <a:schemeClr val="tx1"/>
-              </a:solidFill>
-              <a:latin typeface="Courier" charset="0"/>
-              <a:ea typeface="Courier" charset="0"/>
-              <a:cs typeface="Courier" charset="0"/>
-            </a:endParaRPr>
-          </a:p>
-          <a:p>
-            <a:pPr marL="0" indent="0">
-              <a:buNone/>
-            </a:pPr>
-            <a:endParaRPr lang="en-US" sz="1800" dirty="0">
-              <a:solidFill>
-                <a:schemeClr val="tx1"/>
-              </a:solidFill>
-              <a:latin typeface="Courier" charset="0"/>
-              <a:ea typeface="Courier" charset="0"/>
-              <a:cs typeface="Courier" charset="0"/>
-            </a:endParaRPr>
-          </a:p>
-          <a:p>
-            <a:pPr marL="0" indent="0">
-              <a:buNone/>
-            </a:pPr>
-            <a:r>
-              <a:rPr lang="en-US" sz="1800" dirty="0">
-                <a:solidFill>
-                  <a:schemeClr val="tx1"/>
-                </a:solidFill>
-                <a:latin typeface="Courier" charset="0"/>
-                <a:ea typeface="Courier" charset="0"/>
-                <a:cs typeface="Courier" charset="0"/>
-              </a:rPr>
               <a:t>	/* prompt user to enter a floating point value for radius */</a:t>
             </a:r>
-          </a:p>
-          <a:p>
-            <a:pPr marL="0" indent="0">
-              <a:buNone/>
-            </a:pPr>
-            <a:endParaRPr lang="en-US" sz="1800" dirty="0">
-              <a:solidFill>
-                <a:schemeClr val="tx1"/>
-              </a:solidFill>
-              <a:latin typeface="Courier" charset="0"/>
-              <a:ea typeface="Courier" charset="0"/>
-              <a:cs typeface="Courier" charset="0"/>
-            </a:endParaRPr>
           </a:p>
           <a:p>
             <a:pPr marL="0" indent="0">
@@ -3747,7 +4576,7 @@
 </p:sld>
 </file>
 
-<file path=ppt/slides/slide12.xml><?xml version="1.0" encoding="utf-8"?>
+<file path=ppt/slides/slide14.xml><?xml version="1.0" encoding="utf-8"?>
 <p:sld xmlns:a="http://schemas.openxmlformats.org/drawingml/2006/main" xmlns:r="http://schemas.openxmlformats.org/officeDocument/2006/relationships" xmlns:p="http://schemas.openxmlformats.org/presentationml/2006/main">
   <p:cSld>
     <p:spTree>
@@ -4029,6 +4858,23 @@
               <a:buFont typeface="Wingdings" panose="05000000000000000000" pitchFamily="2" charset="2"/>
               <a:buNone/>
             </a:pPr>
+            <a:r>
+              <a:rPr lang="en-US" sz="1800" dirty="0">
+                <a:solidFill>
+                  <a:schemeClr val="tx1"/>
+                </a:solidFill>
+                <a:latin typeface="Courier" charset="0"/>
+                <a:ea typeface="Courier" charset="0"/>
+                <a:cs typeface="Courier" charset="0"/>
+              </a:rPr>
+              <a:t>	/* print the result */</a:t>
+            </a:r>
+          </a:p>
+          <a:p>
+            <a:pPr marL="0" indent="0">
+              <a:buFont typeface="Wingdings" panose="05000000000000000000" pitchFamily="2" charset="2"/>
+              <a:buNone/>
+            </a:pPr>
             <a:endParaRPr lang="en-US" sz="1800" dirty="0">
               <a:solidFill>
                 <a:schemeClr val="tx1"/>
@@ -4052,7 +4898,7 @@
                 <a:ea typeface="Courier" charset="0"/>
                 <a:cs typeface="Courier" charset="0"/>
               </a:rPr>
-              <a:t>	/* print the result */</a:t>
+              <a:t>	/* return out */</a:t>
             </a:r>
           </a:p>
           <a:p>
@@ -4074,6 +4920,17 @@
               <a:buFont typeface="Wingdings" panose="05000000000000000000" pitchFamily="2" charset="2"/>
               <a:buNone/>
             </a:pPr>
+            <a:r>
+              <a:rPr lang="en-US" sz="1800" dirty="0" smtClean="0">
+                <a:solidFill>
+                  <a:schemeClr val="tx1"/>
+                </a:solidFill>
+                <a:latin typeface="Courier" charset="0"/>
+                <a:ea typeface="Courier" charset="0"/>
+                <a:cs typeface="Courier" charset="0"/>
+              </a:rPr>
+              <a:t>}</a:t>
+            </a:r>
             <a:endParaRPr lang="en-US" sz="1800" dirty="0">
               <a:solidFill>
                 <a:schemeClr val="tx1"/>
@@ -4082,68 +4939,6 @@
               <a:ea typeface="Courier" charset="0"/>
               <a:cs typeface="Courier" charset="0"/>
             </a:endParaRPr>
-          </a:p>
-          <a:p>
-            <a:pPr marL="0" indent="0">
-              <a:buFont typeface="Wingdings" panose="05000000000000000000" pitchFamily="2" charset="2"/>
-              <a:buNone/>
-            </a:pPr>
-            <a:r>
-              <a:rPr lang="en-US" sz="1800" dirty="0">
-                <a:solidFill>
-                  <a:schemeClr val="tx1"/>
-                </a:solidFill>
-                <a:latin typeface="Courier" charset="0"/>
-                <a:ea typeface="Courier" charset="0"/>
-                <a:cs typeface="Courier" charset="0"/>
-              </a:rPr>
-              <a:t>	/* return out */</a:t>
-            </a:r>
-          </a:p>
-          <a:p>
-            <a:pPr marL="0" indent="0">
-              <a:buFont typeface="Wingdings" panose="05000000000000000000" pitchFamily="2" charset="2"/>
-              <a:buNone/>
-            </a:pPr>
-            <a:endParaRPr lang="en-US" sz="1800" dirty="0">
-              <a:solidFill>
-                <a:schemeClr val="tx1"/>
-              </a:solidFill>
-              <a:latin typeface="Courier" charset="0"/>
-              <a:ea typeface="Courier" charset="0"/>
-              <a:cs typeface="Courier" charset="0"/>
-            </a:endParaRPr>
-          </a:p>
-          <a:p>
-            <a:pPr marL="0" indent="0">
-              <a:buFont typeface="Wingdings" panose="05000000000000000000" pitchFamily="2" charset="2"/>
-              <a:buNone/>
-            </a:pPr>
-            <a:endParaRPr lang="en-US" sz="1800" dirty="0">
-              <a:solidFill>
-                <a:schemeClr val="tx1"/>
-              </a:solidFill>
-              <a:latin typeface="Courier" charset="0"/>
-              <a:ea typeface="Courier" charset="0"/>
-              <a:cs typeface="Courier" charset="0"/>
-            </a:endParaRPr>
-          </a:p>
-          <a:p>
-            <a:pPr marL="0" indent="0">
-              <a:buFont typeface="Wingdings" panose="05000000000000000000" pitchFamily="2" charset="2"/>
-              <a:buNone/>
-            </a:pPr>
-            <a:r>
-              <a:rPr lang="en-US" sz="1800" dirty="0">
-                <a:solidFill>
-                  <a:schemeClr val="tx1"/>
-                </a:solidFill>
-                <a:latin typeface="Courier" charset="0"/>
-                <a:ea typeface="Courier" charset="0"/>
-                <a:cs typeface="Courier" charset="0"/>
-              </a:rPr>
-              <a:t>}</a:t>
-            </a:r>
           </a:p>
         </p:txBody>
       </p:sp>
@@ -4915,248 +5710,488 @@
             <p:ph type="body" sz="quarter" idx="10"/>
           </p:nvPr>
         </p:nvSpPr>
-        <p:spPr/>
+        <p:spPr>
+          <a:xfrm>
+            <a:off x="444500" y="619125"/>
+            <a:ext cx="9245600" cy="519113"/>
+          </a:xfrm>
+        </p:spPr>
         <p:txBody>
           <a:bodyPr/>
           <a:lstStyle/>
           <a:p>
             <a:r>
-              <a:rPr lang="en-US" dirty="0"/>
-              <a:t>Characteristics of C</a:t>
-            </a:r>
+              <a:rPr lang="en-US" dirty="0" smtClean="0"/>
+              <a:t>Pre-processor directives:</a:t>
+            </a:r>
+            <a:endParaRPr lang="en-US" dirty="0"/>
           </a:p>
         </p:txBody>
       </p:sp>
       <p:sp>
         <p:nvSpPr>
-          <p:cNvPr id="3" name="Text Placeholder 2"/>
-          <p:cNvSpPr>
-            <a:spLocks noGrp="1"/>
-          </p:cNvSpPr>
-          <p:nvPr>
-            <p:ph type="body" sz="quarter" idx="12"/>
-          </p:nvPr>
-        </p:nvSpPr>
-        <p:spPr/>
-        <p:txBody>
-          <a:bodyPr/>
-          <a:lstStyle/>
-          <a:p>
-            <a:pPr marL="0" lvl="0" indent="0">
-              <a:buNone/>
-            </a:pPr>
-            <a:r>
-              <a:rPr lang="en-US" dirty="0">
-                <a:solidFill>
-                  <a:schemeClr val="tx1"/>
-                </a:solidFill>
-              </a:rPr>
-              <a:t>C is a </a:t>
-            </a:r>
-            <a:r>
-              <a:rPr lang="en-US" b="1" dirty="0">
-                <a:solidFill>
-                  <a:srgbClr val="CE1B22"/>
-                </a:solidFill>
-              </a:rPr>
-              <a:t>procedural language</a:t>
-            </a:r>
-          </a:p>
-          <a:p>
-            <a:pPr lvl="1"/>
-            <a:r>
-              <a:rPr lang="en-US" dirty="0">
-                <a:solidFill>
-                  <a:schemeClr val="tx1"/>
-                </a:solidFill>
-              </a:rPr>
-              <a:t>the program specifies an explicit sequence of steps to follow to produce a result; program is composed of </a:t>
-            </a:r>
-            <a:r>
-              <a:rPr lang="en-US" u="sng" dirty="0">
-                <a:solidFill>
-                  <a:schemeClr val="tx1"/>
-                </a:solidFill>
-              </a:rPr>
-              <a:t>functions</a:t>
-            </a:r>
-            <a:r>
-              <a:rPr lang="en-US" dirty="0">
-                <a:solidFill>
-                  <a:schemeClr val="tx1"/>
-                </a:solidFill>
-              </a:rPr>
-              <a:t> (aka subroutines)</a:t>
-            </a:r>
-          </a:p>
-          <a:p>
-            <a:pPr marL="0" lvl="0" indent="0">
-              <a:buNone/>
-            </a:pPr>
-            <a:r>
-              <a:rPr lang="en-US" dirty="0">
-                <a:solidFill>
-                  <a:schemeClr val="tx1"/>
-                </a:solidFill>
-              </a:rPr>
-              <a:t>C programs are </a:t>
-            </a:r>
-            <a:r>
-              <a:rPr lang="en-US" b="1" dirty="0">
-                <a:solidFill>
-                  <a:srgbClr val="CE1B22"/>
-                </a:solidFill>
-              </a:rPr>
-              <a:t>compiled</a:t>
-            </a:r>
-            <a:r>
-              <a:rPr lang="en-US" dirty="0">
-                <a:solidFill>
-                  <a:schemeClr val="tx1"/>
-                </a:solidFill>
-              </a:rPr>
-              <a:t> rather that interpreted</a:t>
-            </a:r>
-          </a:p>
-          <a:p>
-            <a:pPr lvl="1"/>
-            <a:r>
-              <a:rPr lang="en-US" dirty="0">
-                <a:solidFill>
-                  <a:schemeClr val="tx1"/>
-                </a:solidFill>
-              </a:rPr>
-              <a:t>a compiler translates a C program into machine code that is directly executable on hardware</a:t>
-            </a:r>
-          </a:p>
-          <a:p>
-            <a:pPr lvl="1"/>
-            <a:r>
-              <a:rPr lang="en-US" dirty="0">
-                <a:solidFill>
-                  <a:schemeClr val="tx1"/>
-                </a:solidFill>
-              </a:rPr>
-              <a:t>interpreted programs (e.g. MATLAB) are executed by another program, called interpreter </a:t>
-            </a:r>
-          </a:p>
-          <a:p>
-            <a:pPr marL="0" indent="0">
-              <a:buNone/>
-            </a:pPr>
-            <a:r>
-              <a:rPr lang="en-US" dirty="0">
-                <a:solidFill>
-                  <a:schemeClr val="tx1"/>
-                </a:solidFill>
-              </a:rPr>
-              <a:t>C programs are </a:t>
-            </a:r>
-            <a:r>
-              <a:rPr lang="en-US" b="1" dirty="0">
-                <a:solidFill>
-                  <a:srgbClr val="C00000"/>
-                </a:solidFill>
-              </a:rPr>
-              <a:t>statically typed</a:t>
-            </a:r>
-            <a:endParaRPr lang="en-US" dirty="0">
-              <a:solidFill>
-                <a:srgbClr val="C00000"/>
-              </a:solidFill>
-            </a:endParaRPr>
-          </a:p>
-          <a:p>
-            <a:pPr lvl="1"/>
-            <a:r>
-              <a:rPr lang="en-US" dirty="0">
-                <a:solidFill>
-                  <a:schemeClr val="tx1"/>
-                </a:solidFill>
-              </a:rPr>
-              <a:t>the type of each expression is checked at compile time for type inconsistencies (e.g., </a:t>
-            </a:r>
-            <a:r>
-              <a:rPr lang="en-US" dirty="0" err="1">
-                <a:solidFill>
-                  <a:schemeClr val="tx1"/>
-                </a:solidFill>
-                <a:latin typeface="Courier"/>
-                <a:cs typeface="Courier"/>
-              </a:rPr>
-              <a:t>int</a:t>
-            </a:r>
-            <a:r>
-              <a:rPr lang="en-US" dirty="0">
-                <a:solidFill>
-                  <a:schemeClr val="tx1"/>
-                </a:solidFill>
-                <a:latin typeface="Courier"/>
-                <a:cs typeface="Courier"/>
-              </a:rPr>
-              <a:t> x = 3.411</a:t>
-            </a:r>
-            <a:r>
-              <a:rPr lang="en-US" dirty="0">
-                <a:solidFill>
-                  <a:schemeClr val="tx1"/>
-                </a:solidFill>
-              </a:rPr>
-              <a:t>) </a:t>
-            </a:r>
-          </a:p>
-          <a:p>
-            <a:endParaRPr lang="en-US" dirty="0">
-              <a:solidFill>
-                <a:schemeClr val="tx1"/>
-              </a:solidFill>
-            </a:endParaRPr>
-          </a:p>
-          <a:p>
-            <a:pPr marL="0" indent="0">
-              <a:buNone/>
-            </a:pPr>
-            <a:endParaRPr lang="en-US" dirty="0">
-              <a:solidFill>
-                <a:schemeClr val="tx1"/>
-              </a:solidFill>
-            </a:endParaRPr>
-          </a:p>
-        </p:txBody>
-      </p:sp>
-      <p:sp>
-        <p:nvSpPr>
-          <p:cNvPr id="4" name="TextBox 3"/>
-          <p:cNvSpPr txBox="1"/>
+          <p:cNvPr id="6" name="Rectangle 5"/>
+          <p:cNvSpPr/>
           <p:nvPr/>
         </p:nvSpPr>
         <p:spPr>
           <a:xfrm>
-            <a:off x="9647865" y="6614042"/>
-            <a:ext cx="314510" cy="400110"/>
+            <a:off x="0" y="1389419"/>
+            <a:ext cx="9591675" cy="5108321"/>
           </a:xfrm>
           <a:prstGeom prst="rect">
             <a:avLst/>
           </a:prstGeom>
-          <a:noFill/>
         </p:spPr>
         <p:txBody>
-          <a:bodyPr wrap="none" rtlCol="0">
+          <a:bodyPr wrap="square">
             <a:spAutoFit/>
           </a:bodyPr>
           <a:lstStyle/>
           <a:p>
-            <a:r>
-              <a:rPr lang="en-US" dirty="0"/>
-              <a:t>4</a:t>
-            </a:r>
+            <a:pPr marL="742950" marR="0" lvl="1" indent="-285750">
+              <a:lnSpc>
+                <a:spcPct val="115000"/>
+              </a:lnSpc>
+              <a:spcBef>
+                <a:spcPts val="0"/>
+              </a:spcBef>
+              <a:spcAft>
+                <a:spcPts val="0"/>
+              </a:spcAft>
+              <a:buFont typeface="Courier New" panose="02070309020205020404" pitchFamily="49" charset="0"/>
+              <a:buChar char="o"/>
+            </a:pPr>
+            <a:r>
+              <a:rPr lang="en-US" sz="1800" dirty="0">
+                <a:latin typeface="Courier New" panose="02070309020205020404" pitchFamily="49" charset="0"/>
+                <a:ea typeface="Times New Roman" panose="02020603050405020304" pitchFamily="18" charset="0"/>
+                <a:cs typeface="Times New Roman" panose="02020603050405020304" pitchFamily="18" charset="0"/>
+              </a:rPr>
+              <a:t>#include &lt;</a:t>
+            </a:r>
+            <a:r>
+              <a:rPr lang="en-US" sz="1800" dirty="0" err="1">
+                <a:latin typeface="Courier New" panose="02070309020205020404" pitchFamily="49" charset="0"/>
+                <a:ea typeface="Times New Roman" panose="02020603050405020304" pitchFamily="18" charset="0"/>
+                <a:cs typeface="Times New Roman" panose="02020603050405020304" pitchFamily="18" charset="0"/>
+              </a:rPr>
+              <a:t>stdio.h</a:t>
+            </a:r>
+            <a:r>
+              <a:rPr lang="en-US" sz="1800" dirty="0">
+                <a:latin typeface="Courier New" panose="02070309020205020404" pitchFamily="49" charset="0"/>
+                <a:ea typeface="Times New Roman" panose="02020603050405020304" pitchFamily="18" charset="0"/>
+                <a:cs typeface="Times New Roman" panose="02020603050405020304" pitchFamily="18" charset="0"/>
+              </a:rPr>
+              <a:t>&gt;</a:t>
+            </a:r>
+            <a:endParaRPr lang="en-US" sz="1800" dirty="0">
+              <a:latin typeface="Calibri" panose="020F0502020204030204" pitchFamily="34" charset="0"/>
+              <a:ea typeface="Times New Roman" panose="02020603050405020304" pitchFamily="18" charset="0"/>
+              <a:cs typeface="Times New Roman" panose="02020603050405020304" pitchFamily="18" charset="0"/>
+            </a:endParaRPr>
+          </a:p>
+          <a:p>
+            <a:pPr marL="1143000" marR="0" lvl="2" indent="-228600">
+              <a:lnSpc>
+                <a:spcPct val="115000"/>
+              </a:lnSpc>
+              <a:spcBef>
+                <a:spcPts val="0"/>
+              </a:spcBef>
+              <a:spcAft>
+                <a:spcPts val="1000"/>
+              </a:spcAft>
+              <a:buFont typeface="Wingdings" panose="05000000000000000000" pitchFamily="2" charset="2"/>
+              <a:buChar char=""/>
+            </a:pPr>
+            <a:r>
+              <a:rPr lang="en-US" sz="1800" dirty="0">
+                <a:latin typeface="Calibri" panose="020F0502020204030204" pitchFamily="34" charset="0"/>
+                <a:ea typeface="Times New Roman" panose="02020603050405020304" pitchFamily="18" charset="0"/>
+                <a:cs typeface="Times New Roman" panose="02020603050405020304" pitchFamily="18" charset="0"/>
+              </a:rPr>
+              <a:t>Instructs the pre-processor to copy content of </a:t>
+            </a:r>
+            <a:r>
+              <a:rPr lang="en-US" sz="1800" dirty="0" err="1">
+                <a:latin typeface="Calibri" panose="020F0502020204030204" pitchFamily="34" charset="0"/>
+                <a:ea typeface="Times New Roman" panose="02020603050405020304" pitchFamily="18" charset="0"/>
+                <a:cs typeface="Times New Roman" panose="02020603050405020304" pitchFamily="18" charset="0"/>
+              </a:rPr>
+              <a:t>stdio.h</a:t>
+            </a:r>
+            <a:r>
+              <a:rPr lang="en-US" sz="1800" dirty="0">
+                <a:latin typeface="Calibri" panose="020F0502020204030204" pitchFamily="34" charset="0"/>
+                <a:ea typeface="Times New Roman" panose="02020603050405020304" pitchFamily="18" charset="0"/>
+                <a:cs typeface="Times New Roman" panose="02020603050405020304" pitchFamily="18" charset="0"/>
+              </a:rPr>
+              <a:t> (header file) into the source </a:t>
+            </a:r>
+            <a:r>
+              <a:rPr lang="en-US" sz="1800" dirty="0" smtClean="0">
+                <a:latin typeface="Calibri" panose="020F0502020204030204" pitchFamily="34" charset="0"/>
+                <a:ea typeface="Times New Roman" panose="02020603050405020304" pitchFamily="18" charset="0"/>
+                <a:cs typeface="Times New Roman" panose="02020603050405020304" pitchFamily="18" charset="0"/>
+              </a:rPr>
+              <a:t>code</a:t>
+            </a:r>
+          </a:p>
+          <a:p>
+            <a:pPr marL="1143000" marR="0" lvl="2" indent="-228600">
+              <a:lnSpc>
+                <a:spcPct val="115000"/>
+              </a:lnSpc>
+              <a:spcBef>
+                <a:spcPts val="0"/>
+              </a:spcBef>
+              <a:spcAft>
+                <a:spcPts val="1000"/>
+              </a:spcAft>
+              <a:buFont typeface="Wingdings" panose="05000000000000000000" pitchFamily="2" charset="2"/>
+              <a:buChar char=""/>
+            </a:pPr>
+            <a:r>
+              <a:rPr lang="en-US" sz="1800" dirty="0" smtClean="0">
+                <a:latin typeface="Calibri" panose="020F0502020204030204" pitchFamily="34" charset="0"/>
+                <a:ea typeface="Times New Roman" panose="02020603050405020304" pitchFamily="18" charset="0"/>
+                <a:cs typeface="Times New Roman" panose="02020603050405020304" pitchFamily="18" charset="0"/>
+              </a:rPr>
+              <a:t>&lt;</a:t>
+            </a:r>
+            <a:r>
+              <a:rPr lang="en-US" sz="1800" dirty="0" err="1" smtClean="0">
+                <a:latin typeface="Calibri" panose="020F0502020204030204" pitchFamily="34" charset="0"/>
+                <a:ea typeface="Times New Roman" panose="02020603050405020304" pitchFamily="18" charset="0"/>
+                <a:cs typeface="Times New Roman" panose="02020603050405020304" pitchFamily="18" charset="0"/>
+              </a:rPr>
+              <a:t>stdio.h</a:t>
+            </a:r>
+            <a:r>
+              <a:rPr lang="en-US" sz="1800" dirty="0">
+                <a:latin typeface="Calibri" panose="020F0502020204030204" pitchFamily="34" charset="0"/>
+                <a:ea typeface="Times New Roman" panose="02020603050405020304" pitchFamily="18" charset="0"/>
+                <a:cs typeface="Times New Roman" panose="02020603050405020304" pitchFamily="18" charset="0"/>
+              </a:rPr>
+              <a:t>&gt; and other header files included in &lt;&gt; are located in some well-defined place in the file system known to the compiler</a:t>
+            </a:r>
+          </a:p>
+          <a:p>
+            <a:pPr marL="1143000" marR="0" lvl="2" indent="-228600">
+              <a:lnSpc>
+                <a:spcPct val="115000"/>
+              </a:lnSpc>
+              <a:spcBef>
+                <a:spcPts val="0"/>
+              </a:spcBef>
+              <a:spcAft>
+                <a:spcPts val="0"/>
+              </a:spcAft>
+              <a:buFont typeface="Wingdings" panose="05000000000000000000" pitchFamily="2" charset="2"/>
+              <a:buChar char=""/>
+            </a:pPr>
+            <a:r>
+              <a:rPr lang="en-US" sz="1800" dirty="0">
+                <a:latin typeface="Calibri" panose="020F0502020204030204" pitchFamily="34" charset="0"/>
+                <a:ea typeface="Times New Roman" panose="02020603050405020304" pitchFamily="18" charset="0"/>
+                <a:cs typeface="Times New Roman" panose="02020603050405020304" pitchFamily="18" charset="0"/>
+              </a:rPr>
+              <a:t>Header files located in the current directory or the directory provided to the compiler by the user are enclosed in “”, e.g., “</a:t>
+            </a:r>
+            <a:r>
+              <a:rPr lang="en-US" sz="1800" dirty="0" err="1" smtClean="0">
+                <a:latin typeface="Calibri" panose="020F0502020204030204" pitchFamily="34" charset="0"/>
+                <a:ea typeface="Times New Roman" panose="02020603050405020304" pitchFamily="18" charset="0"/>
+                <a:cs typeface="Times New Roman" panose="02020603050405020304" pitchFamily="18" charset="0"/>
+              </a:rPr>
+              <a:t>myheader.h</a:t>
+            </a:r>
+            <a:r>
+              <a:rPr lang="en-US" sz="1800" dirty="0">
+                <a:latin typeface="Calibri" panose="020F0502020204030204" pitchFamily="34" charset="0"/>
+                <a:ea typeface="Times New Roman" panose="02020603050405020304" pitchFamily="18" charset="0"/>
+                <a:cs typeface="Times New Roman" panose="02020603050405020304" pitchFamily="18" charset="0"/>
+              </a:rPr>
+              <a:t>”</a:t>
+            </a:r>
+          </a:p>
+          <a:p>
+            <a:pPr marL="742950" marR="0" lvl="1" indent="-285750">
+              <a:lnSpc>
+                <a:spcPct val="115000"/>
+              </a:lnSpc>
+              <a:spcBef>
+                <a:spcPts val="0"/>
+              </a:spcBef>
+              <a:spcAft>
+                <a:spcPts val="0"/>
+              </a:spcAft>
+              <a:buFont typeface="Courier New" panose="02070309020205020404" pitchFamily="49" charset="0"/>
+              <a:buChar char="o"/>
+            </a:pPr>
+            <a:r>
+              <a:rPr lang="en-US" sz="1800" dirty="0">
+                <a:latin typeface="Courier New" panose="02070309020205020404" pitchFamily="49" charset="0"/>
+                <a:ea typeface="Times New Roman" panose="02020603050405020304" pitchFamily="18" charset="0"/>
+                <a:cs typeface="Times New Roman" panose="02020603050405020304" pitchFamily="18" charset="0"/>
+              </a:rPr>
+              <a:t>#define PI 3.1416f</a:t>
+            </a:r>
+            <a:endParaRPr lang="en-US" sz="1800" dirty="0">
+              <a:latin typeface="Calibri" panose="020F0502020204030204" pitchFamily="34" charset="0"/>
+              <a:ea typeface="Times New Roman" panose="02020603050405020304" pitchFamily="18" charset="0"/>
+              <a:cs typeface="Times New Roman" panose="02020603050405020304" pitchFamily="18" charset="0"/>
+            </a:endParaRPr>
+          </a:p>
+          <a:p>
+            <a:pPr marL="1143000" marR="0" lvl="2" indent="-228600">
+              <a:lnSpc>
+                <a:spcPct val="115000"/>
+              </a:lnSpc>
+              <a:spcBef>
+                <a:spcPts val="0"/>
+              </a:spcBef>
+              <a:spcAft>
+                <a:spcPts val="0"/>
+              </a:spcAft>
+              <a:buFont typeface="Wingdings" panose="05000000000000000000" pitchFamily="2" charset="2"/>
+              <a:buChar char=""/>
+            </a:pPr>
+            <a:r>
+              <a:rPr lang="en-US" sz="1800" dirty="0">
+                <a:latin typeface="Calibri" panose="020F0502020204030204" pitchFamily="34" charset="0"/>
+                <a:ea typeface="Times New Roman" panose="02020603050405020304" pitchFamily="18" charset="0"/>
+                <a:cs typeface="Times New Roman" panose="02020603050405020304" pitchFamily="18" charset="0"/>
+              </a:rPr>
+              <a:t>Directs the pre-processor to replace all instances of string PI in the file being pre-processed with the value of 3.1416f</a:t>
+            </a:r>
+          </a:p>
+          <a:p>
+            <a:pPr marL="742950" marR="0" lvl="1" indent="-285750">
+              <a:lnSpc>
+                <a:spcPct val="115000"/>
+              </a:lnSpc>
+              <a:spcBef>
+                <a:spcPts val="0"/>
+              </a:spcBef>
+              <a:spcAft>
+                <a:spcPts val="0"/>
+              </a:spcAft>
+              <a:buFont typeface="Courier New" panose="02070309020205020404" pitchFamily="49" charset="0"/>
+              <a:buChar char="o"/>
+            </a:pPr>
+            <a:r>
+              <a:rPr lang="en-US" sz="1800" dirty="0">
+                <a:latin typeface="Courier New" panose="02070309020205020404" pitchFamily="49" charset="0"/>
+                <a:ea typeface="Times New Roman" panose="02020603050405020304" pitchFamily="18" charset="0"/>
+                <a:cs typeface="Times New Roman" panose="02020603050405020304" pitchFamily="18" charset="0"/>
+              </a:rPr>
+              <a:t>#</a:t>
+            </a:r>
+            <a:r>
+              <a:rPr lang="en-US" sz="1800" dirty="0" err="1">
+                <a:latin typeface="Courier New" panose="02070309020205020404" pitchFamily="49" charset="0"/>
+                <a:ea typeface="Times New Roman" panose="02020603050405020304" pitchFamily="18" charset="0"/>
+                <a:cs typeface="Times New Roman" panose="02020603050405020304" pitchFamily="18" charset="0"/>
+              </a:rPr>
+              <a:t>ifdef</a:t>
+            </a:r>
+            <a:r>
+              <a:rPr lang="en-US" sz="1800" dirty="0">
+                <a:latin typeface="Courier New" panose="02070309020205020404" pitchFamily="49" charset="0"/>
+                <a:ea typeface="Times New Roman" panose="02020603050405020304" pitchFamily="18" charset="0"/>
+                <a:cs typeface="Times New Roman" panose="02020603050405020304" pitchFamily="18" charset="0"/>
+              </a:rPr>
+              <a:t> DEBUG</a:t>
+            </a:r>
+            <a:br>
+              <a:rPr lang="en-US" sz="1800" dirty="0">
+                <a:latin typeface="Courier New" panose="02070309020205020404" pitchFamily="49" charset="0"/>
+                <a:ea typeface="Times New Roman" panose="02020603050405020304" pitchFamily="18" charset="0"/>
+                <a:cs typeface="Times New Roman" panose="02020603050405020304" pitchFamily="18" charset="0"/>
+              </a:rPr>
+            </a:br>
+            <a:r>
+              <a:rPr lang="en-US" sz="1800" dirty="0">
+                <a:latin typeface="Courier New" panose="02070309020205020404" pitchFamily="49" charset="0"/>
+                <a:ea typeface="Times New Roman" panose="02020603050405020304" pitchFamily="18" charset="0"/>
+                <a:cs typeface="Times New Roman" panose="02020603050405020304" pitchFamily="18" charset="0"/>
+              </a:rPr>
+              <a:t>...</a:t>
+            </a:r>
+            <a:br>
+              <a:rPr lang="en-US" sz="1800" dirty="0">
+                <a:latin typeface="Courier New" panose="02070309020205020404" pitchFamily="49" charset="0"/>
+                <a:ea typeface="Times New Roman" panose="02020603050405020304" pitchFamily="18" charset="0"/>
+                <a:cs typeface="Times New Roman" panose="02020603050405020304" pitchFamily="18" charset="0"/>
+              </a:rPr>
+            </a:br>
+            <a:r>
+              <a:rPr lang="en-US" sz="1800" dirty="0">
+                <a:latin typeface="Courier New" panose="02070309020205020404" pitchFamily="49" charset="0"/>
+                <a:ea typeface="Times New Roman" panose="02020603050405020304" pitchFamily="18" charset="0"/>
+                <a:cs typeface="Times New Roman" panose="02020603050405020304" pitchFamily="18" charset="0"/>
+              </a:rPr>
+              <a:t>#</a:t>
+            </a:r>
+            <a:r>
+              <a:rPr lang="en-US" sz="1800" dirty="0" err="1">
+                <a:latin typeface="Courier New" panose="02070309020205020404" pitchFamily="49" charset="0"/>
+                <a:ea typeface="Times New Roman" panose="02020603050405020304" pitchFamily="18" charset="0"/>
+                <a:cs typeface="Times New Roman" panose="02020603050405020304" pitchFamily="18" charset="0"/>
+              </a:rPr>
+              <a:t>endif</a:t>
+            </a:r>
+            <a:endParaRPr lang="en-US" sz="1800" dirty="0">
+              <a:latin typeface="Calibri" panose="020F0502020204030204" pitchFamily="34" charset="0"/>
+              <a:ea typeface="Times New Roman" panose="02020603050405020304" pitchFamily="18" charset="0"/>
+              <a:cs typeface="Times New Roman" panose="02020603050405020304" pitchFamily="18" charset="0"/>
+            </a:endParaRPr>
+          </a:p>
+          <a:p>
+            <a:pPr marL="1143000" marR="0" lvl="2" indent="-228600">
+              <a:lnSpc>
+                <a:spcPct val="115000"/>
+              </a:lnSpc>
+              <a:spcBef>
+                <a:spcPts val="0"/>
+              </a:spcBef>
+              <a:spcAft>
+                <a:spcPts val="0"/>
+              </a:spcAft>
+              <a:buFont typeface="Wingdings" panose="05000000000000000000" pitchFamily="2" charset="2"/>
+              <a:buChar char=""/>
+            </a:pPr>
+            <a:r>
+              <a:rPr lang="en-US" sz="1800" dirty="0">
+                <a:latin typeface="Calibri" panose="020F0502020204030204" pitchFamily="34" charset="0"/>
+                <a:ea typeface="Times New Roman" panose="02020603050405020304" pitchFamily="18" charset="0"/>
+                <a:cs typeface="Times New Roman" panose="02020603050405020304" pitchFamily="18" charset="0"/>
+              </a:rPr>
+              <a:t>selectively include text in the file based on whether a symbol DEBUG was defined</a:t>
+            </a:r>
+          </a:p>
+          <a:p>
+            <a:pPr marL="742950" marR="0" lvl="1" indent="-285750">
+              <a:lnSpc>
+                <a:spcPct val="115000"/>
+              </a:lnSpc>
+              <a:spcBef>
+                <a:spcPts val="0"/>
+              </a:spcBef>
+              <a:spcAft>
+                <a:spcPts val="0"/>
+              </a:spcAft>
+              <a:buFont typeface="Courier New" panose="02070309020205020404" pitchFamily="49" charset="0"/>
+              <a:buChar char="o"/>
+            </a:pPr>
+            <a:r>
+              <a:rPr lang="en-US" sz="1800" dirty="0">
+                <a:latin typeface="Courier New" panose="02070309020205020404" pitchFamily="49" charset="0"/>
+                <a:ea typeface="Times New Roman" panose="02020603050405020304" pitchFamily="18" charset="0"/>
+                <a:cs typeface="Times New Roman" panose="02020603050405020304" pitchFamily="18" charset="0"/>
+              </a:rPr>
+              <a:t>#define </a:t>
+            </a:r>
+            <a:r>
+              <a:rPr lang="en-US" sz="1800" dirty="0" smtClean="0">
+                <a:latin typeface="Courier New" panose="02070309020205020404" pitchFamily="49" charset="0"/>
+                <a:ea typeface="Times New Roman" panose="02020603050405020304" pitchFamily="18" charset="0"/>
+                <a:cs typeface="Times New Roman" panose="02020603050405020304" pitchFamily="18" charset="0"/>
+              </a:rPr>
+              <a:t>min(x, y) (x </a:t>
+            </a:r>
+            <a:r>
+              <a:rPr lang="en-US" sz="1800" dirty="0">
+                <a:latin typeface="Courier New" panose="02070309020205020404" pitchFamily="49" charset="0"/>
+                <a:ea typeface="Times New Roman" panose="02020603050405020304" pitchFamily="18" charset="0"/>
+                <a:cs typeface="Times New Roman" panose="02020603050405020304" pitchFamily="18" charset="0"/>
+              </a:rPr>
+              <a:t>&lt; y</a:t>
+            </a:r>
+            <a:r>
+              <a:rPr lang="en-US" sz="1800" dirty="0" smtClean="0">
+                <a:latin typeface="Courier New" panose="02070309020205020404" pitchFamily="49" charset="0"/>
+                <a:ea typeface="Times New Roman" panose="02020603050405020304" pitchFamily="18" charset="0"/>
+                <a:cs typeface="Times New Roman" panose="02020603050405020304" pitchFamily="18" charset="0"/>
+              </a:rPr>
+              <a:t> </a:t>
+            </a:r>
+            <a:r>
+              <a:rPr lang="en-US" sz="1800" dirty="0">
+                <a:latin typeface="Courier New" panose="02070309020205020404" pitchFamily="49" charset="0"/>
+                <a:ea typeface="Times New Roman" panose="02020603050405020304" pitchFamily="18" charset="0"/>
+                <a:cs typeface="Times New Roman" panose="02020603050405020304" pitchFamily="18" charset="0"/>
+              </a:rPr>
+              <a:t>? </a:t>
+            </a:r>
+            <a:r>
+              <a:rPr lang="en-US" sz="1800" dirty="0" smtClean="0">
+                <a:latin typeface="Courier New" panose="02070309020205020404" pitchFamily="49" charset="0"/>
+                <a:ea typeface="Times New Roman" panose="02020603050405020304" pitchFamily="18" charset="0"/>
+                <a:cs typeface="Times New Roman" panose="02020603050405020304" pitchFamily="18" charset="0"/>
+              </a:rPr>
+              <a:t>x </a:t>
+            </a:r>
+            <a:r>
+              <a:rPr lang="en-US" sz="1800" dirty="0">
+                <a:latin typeface="Courier New" panose="02070309020205020404" pitchFamily="49" charset="0"/>
+                <a:ea typeface="Times New Roman" panose="02020603050405020304" pitchFamily="18" charset="0"/>
+                <a:cs typeface="Times New Roman" panose="02020603050405020304" pitchFamily="18" charset="0"/>
+              </a:rPr>
+              <a:t>: </a:t>
+            </a:r>
+            <a:r>
+              <a:rPr lang="en-US" sz="1800" dirty="0" smtClean="0">
+                <a:latin typeface="Courier New" panose="02070309020205020404" pitchFamily="49" charset="0"/>
+                <a:ea typeface="Times New Roman" panose="02020603050405020304" pitchFamily="18" charset="0"/>
+                <a:cs typeface="Times New Roman" panose="02020603050405020304" pitchFamily="18" charset="0"/>
+              </a:rPr>
+              <a:t>y)</a:t>
+            </a:r>
+            <a:endParaRPr lang="en-US" sz="1800" dirty="0">
+              <a:latin typeface="Calibri" panose="020F0502020204030204" pitchFamily="34" charset="0"/>
+              <a:ea typeface="Times New Roman" panose="02020603050405020304" pitchFamily="18" charset="0"/>
+              <a:cs typeface="Times New Roman" panose="02020603050405020304" pitchFamily="18" charset="0"/>
+            </a:endParaRPr>
+          </a:p>
+          <a:p>
+            <a:pPr marL="1143000" marR="0" lvl="2" indent="-228600">
+              <a:lnSpc>
+                <a:spcPct val="115000"/>
+              </a:lnSpc>
+              <a:spcBef>
+                <a:spcPts val="0"/>
+              </a:spcBef>
+              <a:spcAft>
+                <a:spcPts val="1000"/>
+              </a:spcAft>
+              <a:buFont typeface="Wingdings" panose="05000000000000000000" pitchFamily="2" charset="2"/>
+              <a:buChar char=""/>
+            </a:pPr>
+            <a:r>
+              <a:rPr lang="en-US" sz="1800" dirty="0">
+                <a:latin typeface="Calibri" panose="020F0502020204030204" pitchFamily="34" charset="0"/>
+                <a:ea typeface="Times New Roman" panose="02020603050405020304" pitchFamily="18" charset="0"/>
+                <a:cs typeface="Times New Roman" panose="02020603050405020304" pitchFamily="18" charset="0"/>
+              </a:rPr>
+              <a:t>Allows to define a "macro", sort of like an in-line subroutine</a:t>
+            </a:r>
+            <a:endParaRPr lang="en-US" sz="1800" dirty="0">
+              <a:effectLst/>
+              <a:latin typeface="Calibri" panose="020F0502020204030204" pitchFamily="34" charset="0"/>
+              <a:ea typeface="Times New Roman" panose="02020603050405020304" pitchFamily="18" charset="0"/>
+              <a:cs typeface="Times New Roman" panose="02020603050405020304" pitchFamily="18" charset="0"/>
+            </a:endParaRPr>
           </a:p>
         </p:txBody>
       </p:sp>
     </p:spTree>
     <p:extLst>
       <p:ext uri="{BB962C8B-B14F-4D97-AF65-F5344CB8AC3E}">
-        <p14:creationId xmlns:p14="http://schemas.microsoft.com/office/powerpoint/2010/main" val="664047409"/>
+        <p14:creationId xmlns:p14="http://schemas.microsoft.com/office/powerpoint/2010/main" val="1714776921"/>
       </p:ext>
     </p:extLst>
   </p:cSld>
@@ -5200,6 +6235,284 @@
           <a:p>
             <a:r>
               <a:rPr lang="en-US" dirty="0"/>
+              <a:t>Characteristics of C</a:t>
+            </a:r>
+          </a:p>
+        </p:txBody>
+      </p:sp>
+      <p:sp>
+        <p:nvSpPr>
+          <p:cNvPr id="3" name="Text Placeholder 2"/>
+          <p:cNvSpPr>
+            <a:spLocks noGrp="1"/>
+          </p:cNvSpPr>
+          <p:nvPr>
+            <p:ph type="body" sz="quarter" idx="12"/>
+          </p:nvPr>
+        </p:nvSpPr>
+        <p:spPr/>
+        <p:txBody>
+          <a:bodyPr/>
+          <a:lstStyle/>
+          <a:p>
+            <a:pPr marL="0" lvl="0" indent="0">
+              <a:buNone/>
+            </a:pPr>
+            <a:r>
+              <a:rPr lang="en-US" dirty="0">
+                <a:solidFill>
+                  <a:schemeClr val="tx1"/>
+                </a:solidFill>
+              </a:rPr>
+              <a:t>C is a </a:t>
+            </a:r>
+            <a:r>
+              <a:rPr lang="en-US" b="1" dirty="0">
+                <a:solidFill>
+                  <a:srgbClr val="CE1B22"/>
+                </a:solidFill>
+              </a:rPr>
+              <a:t>procedural language</a:t>
+            </a:r>
+          </a:p>
+          <a:p>
+            <a:pPr lvl="1"/>
+            <a:r>
+              <a:rPr lang="en-US" dirty="0">
+                <a:solidFill>
+                  <a:schemeClr val="tx1"/>
+                </a:solidFill>
+              </a:rPr>
+              <a:t>the program specifies an explicit sequence of steps to follow to produce a result; program is composed of </a:t>
+            </a:r>
+            <a:r>
+              <a:rPr lang="en-US" u="sng" dirty="0">
+                <a:solidFill>
+                  <a:schemeClr val="tx1"/>
+                </a:solidFill>
+              </a:rPr>
+              <a:t>functions</a:t>
+            </a:r>
+            <a:r>
+              <a:rPr lang="en-US" dirty="0">
+                <a:solidFill>
+                  <a:schemeClr val="tx1"/>
+                </a:solidFill>
+              </a:rPr>
+              <a:t> (aka subroutines)</a:t>
+            </a:r>
+          </a:p>
+          <a:p>
+            <a:pPr marL="0" lvl="0" indent="0">
+              <a:buNone/>
+            </a:pPr>
+            <a:r>
+              <a:rPr lang="en-US" dirty="0">
+                <a:solidFill>
+                  <a:schemeClr val="tx1"/>
+                </a:solidFill>
+              </a:rPr>
+              <a:t>C programs are </a:t>
+            </a:r>
+            <a:r>
+              <a:rPr lang="en-US" b="1" dirty="0">
+                <a:solidFill>
+                  <a:srgbClr val="CE1B22"/>
+                </a:solidFill>
+              </a:rPr>
+              <a:t>compiled</a:t>
+            </a:r>
+            <a:r>
+              <a:rPr lang="en-US" dirty="0">
+                <a:solidFill>
+                  <a:schemeClr val="tx1"/>
+                </a:solidFill>
+              </a:rPr>
+              <a:t> rather that interpreted</a:t>
+            </a:r>
+          </a:p>
+          <a:p>
+            <a:pPr lvl="1"/>
+            <a:r>
+              <a:rPr lang="en-US" dirty="0">
+                <a:solidFill>
+                  <a:schemeClr val="tx1"/>
+                </a:solidFill>
+              </a:rPr>
+              <a:t>a compiler translates a C program into machine code that is directly executable on hardware</a:t>
+            </a:r>
+          </a:p>
+          <a:p>
+            <a:pPr lvl="1"/>
+            <a:r>
+              <a:rPr lang="en-US" dirty="0">
+                <a:solidFill>
+                  <a:schemeClr val="tx1"/>
+                </a:solidFill>
+              </a:rPr>
+              <a:t>interpreted programs (e.g. MATLAB) are executed by another program, called interpreter </a:t>
+            </a:r>
+          </a:p>
+          <a:p>
+            <a:pPr marL="0" indent="0">
+              <a:buNone/>
+            </a:pPr>
+            <a:r>
+              <a:rPr lang="en-US" dirty="0">
+                <a:solidFill>
+                  <a:schemeClr val="tx1"/>
+                </a:solidFill>
+              </a:rPr>
+              <a:t>C programs are </a:t>
+            </a:r>
+            <a:r>
+              <a:rPr lang="en-US" b="1" dirty="0">
+                <a:solidFill>
+                  <a:srgbClr val="C00000"/>
+                </a:solidFill>
+              </a:rPr>
+              <a:t>statically typed</a:t>
+            </a:r>
+            <a:endParaRPr lang="en-US" dirty="0">
+              <a:solidFill>
+                <a:srgbClr val="C00000"/>
+              </a:solidFill>
+            </a:endParaRPr>
+          </a:p>
+          <a:p>
+            <a:pPr lvl="1"/>
+            <a:r>
+              <a:rPr lang="en-US" dirty="0">
+                <a:solidFill>
+                  <a:schemeClr val="tx1"/>
+                </a:solidFill>
+              </a:rPr>
+              <a:t>the type of each expression is checked at compile time for type inconsistencies (e.g., </a:t>
+            </a:r>
+            <a:r>
+              <a:rPr lang="en-US" dirty="0" err="1">
+                <a:solidFill>
+                  <a:schemeClr val="tx1"/>
+                </a:solidFill>
+                <a:latin typeface="Courier"/>
+                <a:cs typeface="Courier"/>
+              </a:rPr>
+              <a:t>int</a:t>
+            </a:r>
+            <a:r>
+              <a:rPr lang="en-US" dirty="0">
+                <a:solidFill>
+                  <a:schemeClr val="tx1"/>
+                </a:solidFill>
+                <a:latin typeface="Courier"/>
+                <a:cs typeface="Courier"/>
+              </a:rPr>
+              <a:t> x = 3.411</a:t>
+            </a:r>
+            <a:r>
+              <a:rPr lang="en-US" dirty="0">
+                <a:solidFill>
+                  <a:schemeClr val="tx1"/>
+                </a:solidFill>
+              </a:rPr>
+              <a:t>) </a:t>
+            </a:r>
+          </a:p>
+          <a:p>
+            <a:endParaRPr lang="en-US" dirty="0">
+              <a:solidFill>
+                <a:schemeClr val="tx1"/>
+              </a:solidFill>
+            </a:endParaRPr>
+          </a:p>
+          <a:p>
+            <a:pPr marL="0" indent="0">
+              <a:buNone/>
+            </a:pPr>
+            <a:endParaRPr lang="en-US" dirty="0">
+              <a:solidFill>
+                <a:schemeClr val="tx1"/>
+              </a:solidFill>
+            </a:endParaRPr>
+          </a:p>
+        </p:txBody>
+      </p:sp>
+      <p:sp>
+        <p:nvSpPr>
+          <p:cNvPr id="4" name="TextBox 3"/>
+          <p:cNvSpPr txBox="1"/>
+          <p:nvPr/>
+        </p:nvSpPr>
+        <p:spPr>
+          <a:xfrm>
+            <a:off x="9647865" y="6614042"/>
+            <a:ext cx="314510" cy="400110"/>
+          </a:xfrm>
+          <a:prstGeom prst="rect">
+            <a:avLst/>
+          </a:prstGeom>
+          <a:noFill/>
+        </p:spPr>
+        <p:txBody>
+          <a:bodyPr wrap="none" rtlCol="0">
+            <a:spAutoFit/>
+          </a:bodyPr>
+          <a:lstStyle/>
+          <a:p>
+            <a:r>
+              <a:rPr lang="en-US" dirty="0"/>
+              <a:t>4</a:t>
+            </a:r>
+          </a:p>
+        </p:txBody>
+      </p:sp>
+    </p:spTree>
+    <p:extLst>
+      <p:ext uri="{BB962C8B-B14F-4D97-AF65-F5344CB8AC3E}">
+        <p14:creationId xmlns:p14="http://schemas.microsoft.com/office/powerpoint/2010/main" val="664047409"/>
+      </p:ext>
+    </p:extLst>
+  </p:cSld>
+  <p:clrMapOvr>
+    <a:masterClrMapping/>
+  </p:clrMapOvr>
+</p:sld>
+</file>
+
+<file path=ppt/slides/slide6.xml><?xml version="1.0" encoding="utf-8"?>
+<p:sld xmlns:a="http://schemas.openxmlformats.org/drawingml/2006/main" xmlns:r="http://schemas.openxmlformats.org/officeDocument/2006/relationships" xmlns:p="http://schemas.openxmlformats.org/presentationml/2006/main">
+  <p:cSld>
+    <p:spTree>
+      <p:nvGrpSpPr>
+        <p:cNvPr id="1" name=""/>
+        <p:cNvGrpSpPr/>
+        <p:nvPr/>
+      </p:nvGrpSpPr>
+      <p:grpSpPr>
+        <a:xfrm>
+          <a:off x="0" y="0"/>
+          <a:ext cx="0" cy="0"/>
+          <a:chOff x="0" y="0"/>
+          <a:chExt cx="0" cy="0"/>
+        </a:xfrm>
+      </p:grpSpPr>
+      <p:sp>
+        <p:nvSpPr>
+          <p:cNvPr id="2" name="Text Placeholder 1"/>
+          <p:cNvSpPr>
+            <a:spLocks noGrp="1"/>
+          </p:cNvSpPr>
+          <p:nvPr>
+            <p:ph type="body" sz="quarter" idx="10"/>
+          </p:nvPr>
+        </p:nvSpPr>
+        <p:spPr/>
+        <p:txBody>
+          <a:bodyPr/>
+          <a:lstStyle/>
+          <a:p>
+            <a:r>
+              <a:rPr lang="en-US" dirty="0"/>
               <a:t>Compiling a C Program</a:t>
             </a:r>
           </a:p>
@@ -5431,7 +6744,7 @@
           <a:graphicData uri="http://schemas.openxmlformats.org/presentationml/2006/ole">
             <mc:AlternateContent xmlns:mc="http://schemas.openxmlformats.org/markup-compatibility/2006">
               <mc:Choice xmlns:v="urn:schemas-microsoft-com:vml" Requires="v">
-                <p:oleObj spid="_x0000_s1239" name="VISIO" r:id="rId3" imgW="6206760" imgH="8035560" progId="Visio.Drawing.6">
+                <p:oleObj spid="_x0000_s1247" name="VISIO" r:id="rId3" imgW="6206760" imgH="8035560" progId="Visio.Drawing.6">
                   <p:embed/>
                 </p:oleObj>
               </mc:Choice>
@@ -5522,7 +6835,7 @@
 </p:sld>
 </file>
 
-<file path=ppt/slides/slide6.xml><?xml version="1.0" encoding="utf-8"?>
+<file path=ppt/slides/slide7.xml><?xml version="1.0" encoding="utf-8"?>
 <p:sld xmlns:a="http://schemas.openxmlformats.org/drawingml/2006/main" xmlns:r="http://schemas.openxmlformats.org/officeDocument/2006/relationships" xmlns:p="http://schemas.openxmlformats.org/presentationml/2006/main">
   <p:cSld>
     <p:spTree>
@@ -5549,7 +6862,12 @@
             <p:ph type="body" sz="quarter" idx="10"/>
           </p:nvPr>
         </p:nvSpPr>
-        <p:spPr/>
+        <p:spPr>
+          <a:xfrm>
+            <a:off x="444500" y="247650"/>
+            <a:ext cx="9245600" cy="742950"/>
+          </a:xfrm>
+        </p:spPr>
         <p:txBody>
           <a:bodyPr/>
           <a:lstStyle/>
@@ -5573,7 +6891,7 @@
         </p:nvSpPr>
         <p:spPr>
           <a:xfrm>
-            <a:off x="394011" y="1527039"/>
+            <a:off x="394011" y="1131752"/>
             <a:ext cx="8750300" cy="4826000"/>
           </a:xfrm>
         </p:spPr>
@@ -5654,8 +6972,31 @@
                   <a:schemeClr val="tx1"/>
                 </a:solidFill>
               </a:rPr>
-              <a:t> (constant qualifier)</a:t>
-            </a:r>
+              <a:t> (constant qualifier</a:t>
+            </a:r>
+            <a:r>
+              <a:rPr lang="en-US" dirty="0" smtClean="0">
+                <a:solidFill>
+                  <a:schemeClr val="tx1"/>
+                </a:solidFill>
+              </a:rPr>
+              <a:t>)</a:t>
+            </a:r>
+          </a:p>
+          <a:p>
+            <a:r>
+              <a:rPr lang="en-US" dirty="0" smtClean="0">
+                <a:solidFill>
+                  <a:schemeClr val="tx1"/>
+                </a:solidFill>
+              </a:rPr>
+              <a:t>_Bool/bool (true/false-0/1)</a:t>
+            </a:r>
+            <a:endParaRPr lang="en-US" dirty="0">
+              <a:solidFill>
+                <a:schemeClr val="tx1"/>
+              </a:solidFill>
+            </a:endParaRPr>
           </a:p>
           <a:p>
             <a:pPr marL="0" indent="0">
@@ -5702,16 +7043,6 @@
             <a:pPr marL="0" indent="0">
               <a:buNone/>
             </a:pPr>
-            <a:endParaRPr lang="en-US" dirty="0">
-              <a:solidFill>
-                <a:schemeClr val="tx1"/>
-              </a:solidFill>
-            </a:endParaRPr>
-          </a:p>
-          <a:p>
-            <a:pPr marL="0" indent="0">
-              <a:buNone/>
-            </a:pPr>
             <a:r>
               <a:rPr lang="en-US" b="1" dirty="0">
                 <a:solidFill>
@@ -5728,12 +7059,6 @@
               </a:rPr>
               <a:t>: static vs. automatic</a:t>
             </a:r>
-          </a:p>
-          <a:p>
-            <a:pPr marL="0" indent="0">
-              <a:buNone/>
-            </a:pPr>
-            <a:endParaRPr lang="en-US" b="1" dirty="0"/>
           </a:p>
           <a:p>
             <a:pPr marL="0" indent="0">
@@ -5775,7 +7100,7 @@
           <p:nvPr/>
         </p:nvPicPr>
         <p:blipFill>
-          <a:blip r:embed="rId2"/>
+          <a:blip r:embed="rId3"/>
           <a:stretch>
             <a:fillRect/>
           </a:stretch>
@@ -5823,260 +7148,6 @@
     <p:extLst>
       <p:ext uri="{BB962C8B-B14F-4D97-AF65-F5344CB8AC3E}">
         <p14:creationId xmlns:p14="http://schemas.microsoft.com/office/powerpoint/2010/main" val="1736674559"/>
-      </p:ext>
-    </p:extLst>
-  </p:cSld>
-  <p:clrMapOvr>
-    <a:masterClrMapping/>
-  </p:clrMapOvr>
-</p:sld>
-</file>
-
-<file path=ppt/slides/slide7.xml><?xml version="1.0" encoding="utf-8"?>
-<p:sld xmlns:a="http://schemas.openxmlformats.org/drawingml/2006/main" xmlns:r="http://schemas.openxmlformats.org/officeDocument/2006/relationships" xmlns:p="http://schemas.openxmlformats.org/presentationml/2006/main">
-  <p:cSld>
-    <p:spTree>
-      <p:nvGrpSpPr>
-        <p:cNvPr id="1" name=""/>
-        <p:cNvGrpSpPr/>
-        <p:nvPr/>
-      </p:nvGrpSpPr>
-      <p:grpSpPr>
-        <a:xfrm>
-          <a:off x="0" y="0"/>
-          <a:ext cx="0" cy="0"/>
-          <a:chOff x="0" y="0"/>
-          <a:chExt cx="0" cy="0"/>
-        </a:xfrm>
-      </p:grpSpPr>
-      <p:sp>
-        <p:nvSpPr>
-          <p:cNvPr id="2" name="Text Placeholder 1"/>
-          <p:cNvSpPr>
-            <a:spLocks noGrp="1"/>
-          </p:cNvSpPr>
-          <p:nvPr>
-            <p:ph type="body" sz="quarter" idx="10"/>
-          </p:nvPr>
-        </p:nvSpPr>
-        <p:spPr/>
-        <p:txBody>
-          <a:bodyPr/>
-          <a:lstStyle/>
-          <a:p>
-            <a:r>
-              <a:rPr lang="en-US" dirty="0"/>
-              <a:t>Operators</a:t>
-            </a:r>
-          </a:p>
-        </p:txBody>
-      </p:sp>
-      <p:sp>
-        <p:nvSpPr>
-          <p:cNvPr id="3" name="Text Placeholder 2"/>
-          <p:cNvSpPr>
-            <a:spLocks noGrp="1"/>
-          </p:cNvSpPr>
-          <p:nvPr>
-            <p:ph type="body" sz="quarter" idx="12"/>
-          </p:nvPr>
-        </p:nvSpPr>
-        <p:spPr>
-          <a:xfrm>
-            <a:off x="444500" y="1755775"/>
-            <a:ext cx="9399588" cy="4708525"/>
-          </a:xfrm>
-        </p:spPr>
-        <p:txBody>
-          <a:bodyPr/>
-          <a:lstStyle/>
-          <a:p>
-            <a:r>
-              <a:rPr lang="en-US" sz="2400" dirty="0">
-                <a:solidFill>
-                  <a:schemeClr val="tx1"/>
-                </a:solidFill>
-              </a:rPr>
-              <a:t>Expression  vs. Statement </a:t>
-            </a:r>
-          </a:p>
-          <a:p>
-            <a:r>
-              <a:rPr lang="en-US" sz="2400" dirty="0">
-                <a:solidFill>
-                  <a:schemeClr val="tx1"/>
-                </a:solidFill>
-              </a:rPr>
-              <a:t>‘=‘ vs. ‘==‘</a:t>
-            </a:r>
-          </a:p>
-          <a:p>
-            <a:r>
-              <a:rPr lang="en-US" sz="2400" dirty="0">
-                <a:solidFill>
-                  <a:schemeClr val="tx1"/>
-                </a:solidFill>
-              </a:rPr>
-              <a:t>The Assignment Operator (=):</a:t>
-            </a:r>
-          </a:p>
-          <a:p>
-            <a:r>
-              <a:rPr lang="en-US" sz="2400" dirty="0">
-                <a:solidFill>
-                  <a:schemeClr val="tx1"/>
-                </a:solidFill>
-              </a:rPr>
-              <a:t>Arithmetic Operators: </a:t>
-            </a:r>
-          </a:p>
-          <a:p>
-            <a:r>
-              <a:rPr lang="en-US" sz="2400" dirty="0">
-                <a:solidFill>
-                  <a:schemeClr val="tx1"/>
-                </a:solidFill>
-              </a:rPr>
-              <a:t>Order of evaluation: </a:t>
-            </a:r>
-          </a:p>
-          <a:p>
-            <a:pPr marL="509412" lvl="1" indent="0">
-              <a:buNone/>
-            </a:pPr>
-            <a:r>
-              <a:rPr lang="en-US" sz="2400" dirty="0">
-                <a:solidFill>
-                  <a:schemeClr val="tx1"/>
-                </a:solidFill>
-              </a:rPr>
-              <a:t>precedence -- </a:t>
-            </a:r>
-            <a:r>
-              <a:rPr lang="en-US" sz="2400" dirty="0">
-                <a:solidFill>
-                  <a:schemeClr val="tx1"/>
-                </a:solidFill>
-                <a:latin typeface="Courier" charset="0"/>
-                <a:ea typeface="Courier" charset="0"/>
-                <a:cs typeface="Courier" charset="0"/>
-              </a:rPr>
-              <a:t>x = 2+3*4</a:t>
-            </a:r>
-          </a:p>
-          <a:p>
-            <a:pPr marL="509412" lvl="1" indent="0">
-              <a:buNone/>
-            </a:pPr>
-            <a:r>
-              <a:rPr lang="en-US" sz="2400" dirty="0">
-                <a:solidFill>
-                  <a:schemeClr val="tx1"/>
-                </a:solidFill>
-              </a:rPr>
-              <a:t>associativity -- </a:t>
-            </a:r>
-            <a:r>
-              <a:rPr lang="en-US" sz="2400" dirty="0">
-                <a:solidFill>
-                  <a:schemeClr val="tx1"/>
-                </a:solidFill>
-                <a:latin typeface="Courier" charset="0"/>
-                <a:ea typeface="Courier" charset="0"/>
-                <a:cs typeface="Courier" charset="0"/>
-              </a:rPr>
-              <a:t>x = 2+3-4+5</a:t>
-            </a:r>
-          </a:p>
-          <a:p>
-            <a:pPr marL="509412" lvl="1" indent="0">
-              <a:buNone/>
-            </a:pPr>
-            <a:r>
-              <a:rPr lang="en-US" sz="2400" dirty="0">
-                <a:solidFill>
-                  <a:schemeClr val="tx1"/>
-                </a:solidFill>
-              </a:rPr>
-              <a:t>parentheses -- </a:t>
-            </a:r>
-            <a:r>
-              <a:rPr lang="en-US" sz="2400" dirty="0">
-                <a:solidFill>
-                  <a:schemeClr val="tx1"/>
-                </a:solidFill>
-                <a:latin typeface="Courier" charset="0"/>
-                <a:ea typeface="Courier" charset="0"/>
-                <a:cs typeface="Courier" charset="0"/>
-              </a:rPr>
-              <a:t>x = a*(b + c)*d/2</a:t>
-            </a:r>
-          </a:p>
-          <a:p>
-            <a:r>
-              <a:rPr lang="en-US" sz="2400" dirty="0">
-                <a:solidFill>
-                  <a:schemeClr val="tx1"/>
-                </a:solidFill>
-              </a:rPr>
-              <a:t>Logical Operators: __________________________________________</a:t>
-            </a:r>
-          </a:p>
-          <a:p>
-            <a:r>
-              <a:rPr lang="en-US" sz="2400" dirty="0">
-                <a:solidFill>
-                  <a:schemeClr val="tx1"/>
-                </a:solidFill>
-              </a:rPr>
-              <a:t>Bitwise Operators: __________________________________________</a:t>
-            </a:r>
-          </a:p>
-          <a:p>
-            <a:r>
-              <a:rPr lang="en-US" sz="2400" dirty="0">
-                <a:solidFill>
-                  <a:schemeClr val="tx1"/>
-                </a:solidFill>
-              </a:rPr>
-              <a:t>Relational Operators: ________________________________________</a:t>
-            </a:r>
-          </a:p>
-        </p:txBody>
-      </p:sp>
-      <p:sp>
-        <p:nvSpPr>
-          <p:cNvPr id="4" name="TextBox 3"/>
-          <p:cNvSpPr txBox="1"/>
-          <p:nvPr/>
-        </p:nvSpPr>
-        <p:spPr>
-          <a:xfrm>
-            <a:off x="9647865" y="6614042"/>
-            <a:ext cx="314510" cy="400110"/>
-          </a:xfrm>
-          <a:prstGeom prst="rect">
-            <a:avLst/>
-          </a:prstGeom>
-          <a:noFill/>
-        </p:spPr>
-        <p:txBody>
-          <a:bodyPr wrap="none" rtlCol="0">
-            <a:spAutoFit/>
-          </a:bodyPr>
-          <a:lstStyle/>
-          <a:p>
-            <a:r>
-              <a:rPr lang="en-US" dirty="0"/>
-              <a:t>7</a:t>
-            </a:r>
-          </a:p>
-        </p:txBody>
-      </p:sp>
-    </p:spTree>
-    <p:extLst>
-      <p:ext uri="{BB962C8B-B14F-4D97-AF65-F5344CB8AC3E}">
-        <p14:creationId xmlns:p14="http://schemas.microsoft.com/office/powerpoint/2010/main" val="2136664620"/>
       </p:ext>
     </p:extLst>
   </p:cSld>
@@ -6120,7 +7191,7 @@
           <a:p>
             <a:r>
               <a:rPr lang="en-US" dirty="0"/>
-              <a:t>Operators (continued)</a:t>
+              <a:t>Operators</a:t>
             </a:r>
           </a:p>
         </p:txBody>
@@ -6135,7 +7206,12 @@
             <p:ph type="body" sz="quarter" idx="12"/>
           </p:nvPr>
         </p:nvSpPr>
-        <p:spPr/>
+        <p:spPr>
+          <a:xfrm>
+            <a:off x="367506" y="1541462"/>
+            <a:ext cx="9399588" cy="4708525"/>
+          </a:xfrm>
+        </p:spPr>
         <p:txBody>
           <a:bodyPr/>
           <a:lstStyle/>
@@ -6146,7 +7222,47 @@
                   <a:schemeClr val="tx1"/>
                 </a:solidFill>
               </a:rPr>
-              <a:t>Increment/Decrement Operators: ++, -- (post vs. pre) </a:t>
+              <a:t>Expression  vs. Statement </a:t>
+            </a:r>
+          </a:p>
+          <a:p>
+            <a:r>
+              <a:rPr lang="en-US" sz="2400" dirty="0">
+                <a:solidFill>
+                  <a:schemeClr val="tx1"/>
+                </a:solidFill>
+              </a:rPr>
+              <a:t>‘=‘ vs. ‘==‘</a:t>
+            </a:r>
+          </a:p>
+          <a:p>
+            <a:r>
+              <a:rPr lang="en-US" sz="2400" dirty="0">
+                <a:solidFill>
+                  <a:schemeClr val="tx1"/>
+                </a:solidFill>
+              </a:rPr>
+              <a:t>The Assignment Operator (=):</a:t>
+            </a:r>
+          </a:p>
+          <a:p>
+            <a:r>
+              <a:rPr lang="en-US" sz="2400" dirty="0">
+                <a:solidFill>
+                  <a:schemeClr val="tx1"/>
+                </a:solidFill>
+              </a:rPr>
+              <a:t>Arithmetic Operators: </a:t>
+            </a:r>
+          </a:p>
+          <a:p>
+            <a:r>
+              <a:rPr lang="en-US" sz="2400" dirty="0">
+                <a:solidFill>
+                  <a:schemeClr val="tx1"/>
+                </a:solidFill>
+              </a:rPr>
+              <a:t>Order of evaluation: </a:t>
             </a:r>
           </a:p>
           <a:p>
@@ -6159,10 +7275,10 @@
                   <a:schemeClr val="tx1"/>
                 </a:solidFill>
               </a:rPr>
-              <a:t>example: </a:t>
-            </a:r>
-            <a:r>
-              <a:rPr lang="en-US" sz="2400" u="sng" dirty="0">
+              <a:t>precedence -- </a:t>
+            </a:r>
+            <a:r>
+              <a:rPr lang="en-US" sz="2400" dirty="0">
                 <a:solidFill>
                   <a:schemeClr val="tx1"/>
                 </a:solidFill>
@@ -6170,7 +7286,20 @@
                 <a:ea typeface="Courier" charset="0"/>
                 <a:cs typeface="Courier" charset="0"/>
               </a:rPr>
-              <a:t>x = 4; y = ++x;</a:t>
+              <a:t>x = 2+3*4</a:t>
+            </a:r>
+          </a:p>
+          <a:p>
+            <a:pPr marL="509412" lvl="1" indent="0">
+              <a:buNone/>
+            </a:pPr>
+            <a:r>
+              <a:rPr lang="en-US" sz="2400" dirty="0">
+                <a:solidFill>
+                  <a:schemeClr val="tx1"/>
+                </a:solidFill>
+              </a:rPr>
+              <a:t>associativity -- </a:t>
             </a:r>
             <a:r>
               <a:rPr lang="en-US" sz="2400" dirty="0">
@@ -6181,10 +7310,23 @@
                 <a:ea typeface="Courier" charset="0"/>
                 <a:cs typeface="Courier" charset="0"/>
               </a:rPr>
-              <a:t> vs. </a:t>
-            </a:r>
-            <a:r>
-              <a:rPr lang="en-US" sz="2400" u="sng" dirty="0">
+              <a:t>x = 2+3-4+5</a:t>
+            </a:r>
+          </a:p>
+          <a:p>
+            <a:pPr marL="509412" lvl="1" indent="0">
+              <a:buNone/>
+            </a:pPr>
+            <a:r>
+              <a:rPr lang="en-US" sz="2400" dirty="0">
+                <a:solidFill>
+                  <a:schemeClr val="tx1"/>
+                </a:solidFill>
+              </a:rPr>
+              <a:t>parentheses -- </a:t>
+            </a:r>
+            <a:r>
+              <a:rPr lang="en-US" sz="2400" dirty="0">
                 <a:solidFill>
                   <a:schemeClr val="tx1"/>
                 </a:solidFill>
@@ -6192,7 +7334,7 @@
                 <a:ea typeface="Courier" charset="0"/>
                 <a:cs typeface="Courier" charset="0"/>
               </a:rPr>
-              <a:t>x = 4; y = x++;</a:t>
+              <a:t>x = a*(b + c)*d/2</a:t>
             </a:r>
           </a:p>
           <a:p>
@@ -6202,159 +7344,28 @@
                   <a:schemeClr val="tx1"/>
                 </a:solidFill>
               </a:rPr>
-              <a:t>Special operator (conditional): </a:t>
-            </a:r>
-          </a:p>
-          <a:p>
-            <a:pPr marL="509412" lvl="1" indent="0">
-              <a:buNone/>
-            </a:pPr>
+              <a:t>Logical Operators: __________________________________________</a:t>
+            </a:r>
+          </a:p>
+          <a:p>
             <a:r>
               <a:rPr lang="en-US" sz="2400" dirty="0">
                 <a:solidFill>
                   <a:schemeClr val="tx1"/>
                 </a:solidFill>
               </a:rPr>
-              <a:t>variable = condition ? </a:t>
-            </a:r>
-            <a:r>
-              <a:rPr lang="en-US" sz="2400" dirty="0" err="1">
-                <a:solidFill>
-                  <a:schemeClr val="tx1"/>
-                </a:solidFill>
-              </a:rPr>
-              <a:t>value_if_true</a:t>
-            </a:r>
+              <a:t>Bitwise Operators: __________________________________________</a:t>
+            </a:r>
+          </a:p>
+          <a:p>
             <a:r>
               <a:rPr lang="en-US" sz="2400" dirty="0">
                 <a:solidFill>
                   <a:schemeClr val="tx1"/>
                 </a:solidFill>
               </a:rPr>
-              <a:t> : </a:t>
-            </a:r>
-            <a:r>
-              <a:rPr lang="en-US" sz="2400" dirty="0" err="1">
-                <a:solidFill>
-                  <a:schemeClr val="tx1"/>
-                </a:solidFill>
-              </a:rPr>
-              <a:t>value_if_false</a:t>
-            </a:r>
-            <a:r>
-              <a:rPr lang="en-US" sz="2400" dirty="0">
-                <a:solidFill>
-                  <a:schemeClr val="tx1"/>
-                </a:solidFill>
-              </a:rPr>
-              <a:t>; </a:t>
-            </a:r>
-          </a:p>
-          <a:p>
-            <a:pPr marL="509412" lvl="1" indent="0">
-              <a:buNone/>
-            </a:pPr>
-            <a:r>
-              <a:rPr lang="en-US" sz="2400" dirty="0">
-                <a:solidFill>
-                  <a:schemeClr val="tx1"/>
-                </a:solidFill>
-              </a:rPr>
-              <a:t>example: </a:t>
-            </a:r>
-            <a:r>
-              <a:rPr lang="en-US" sz="2400" dirty="0">
-                <a:solidFill>
-                  <a:schemeClr val="tx1"/>
-                </a:solidFill>
-                <a:latin typeface="Courier" charset="0"/>
-                <a:ea typeface="Courier" charset="0"/>
-                <a:cs typeface="Courier" charset="0"/>
-              </a:rPr>
-              <a:t>x = (y&lt;z) ? 5 : 7</a:t>
-            </a:r>
-          </a:p>
-          <a:p>
-            <a:r>
-              <a:rPr lang="en-US" sz="2400" dirty="0">
-                <a:solidFill>
-                  <a:schemeClr val="tx1"/>
-                </a:solidFill>
-              </a:rPr>
-              <a:t>Compound Assignment Operators:</a:t>
-            </a:r>
-          </a:p>
-          <a:p>
-            <a:pPr marL="0" indent="0">
-              <a:buNone/>
-            </a:pPr>
-            <a:r>
-              <a:rPr lang="en-US" sz="2400" dirty="0">
-                <a:solidFill>
-                  <a:schemeClr val="tx1"/>
-                </a:solidFill>
-              </a:rPr>
-              <a:t>	</a:t>
-            </a:r>
-            <a:r>
-              <a:rPr lang="en-US" sz="2400" dirty="0">
-                <a:solidFill>
-                  <a:schemeClr val="tx1"/>
-                </a:solidFill>
-                <a:latin typeface="Courier" charset="0"/>
-                <a:ea typeface="Courier" charset="0"/>
-                <a:cs typeface="Courier" charset="0"/>
-              </a:rPr>
-              <a:t>a += b; </a:t>
-            </a:r>
-            <a:r>
-              <a:rPr lang="en-US" sz="2400" dirty="0">
-                <a:solidFill>
-                  <a:schemeClr val="tx1"/>
-                </a:solidFill>
-              </a:rPr>
-              <a:t>&lt;--&gt;  </a:t>
-            </a:r>
-            <a:r>
-              <a:rPr lang="en-US" sz="2400" dirty="0">
-                <a:solidFill>
-                  <a:schemeClr val="tx1"/>
-                </a:solidFill>
-                <a:latin typeface="Courier" charset="0"/>
-                <a:ea typeface="Courier" charset="0"/>
-                <a:cs typeface="Courier" charset="0"/>
-              </a:rPr>
-              <a:t>a = a + b;</a:t>
-            </a:r>
-          </a:p>
-          <a:p>
-            <a:pPr marL="0" indent="0">
-              <a:buNone/>
-            </a:pPr>
-            <a:endParaRPr lang="en-US" sz="2400" dirty="0">
-              <a:solidFill>
-                <a:schemeClr val="tx1"/>
-              </a:solidFill>
-            </a:endParaRPr>
-          </a:p>
-          <a:p>
-            <a:pPr marL="0" indent="0">
-              <a:buNone/>
-            </a:pPr>
-            <a:r>
-              <a:rPr lang="en-US" sz="2400" dirty="0">
-                <a:solidFill>
-                  <a:schemeClr val="tx1"/>
-                </a:solidFill>
-              </a:rPr>
-              <a:t>Expression with multiple operators (Table 12.5 of textbook)</a:t>
-            </a:r>
-          </a:p>
-          <a:p>
-            <a:pPr marL="0" indent="0">
-              <a:buNone/>
-            </a:pPr>
-            <a:endParaRPr lang="en-US" sz="2400" b="1" dirty="0"/>
+              <a:t>Relational Operators: ________________________________________</a:t>
+            </a:r>
           </a:p>
         </p:txBody>
       </p:sp>
@@ -6382,7 +7393,7 @@
           <a:p>
             <a:r>
               <a:rPr lang="en-US" dirty="0"/>
-              <a:t>8</a:t>
+              <a:t>7</a:t>
             </a:r>
           </a:p>
         </p:txBody>
@@ -6390,7 +7401,7 @@
     </p:spTree>
     <p:extLst>
       <p:ext uri="{BB962C8B-B14F-4D97-AF65-F5344CB8AC3E}">
-        <p14:creationId xmlns:p14="http://schemas.microsoft.com/office/powerpoint/2010/main" val="804526651"/>
+        <p14:creationId xmlns:p14="http://schemas.microsoft.com/office/powerpoint/2010/main" val="2136664620"/>
       </p:ext>
     </p:extLst>
   </p:cSld>
@@ -6427,310 +7438,751 @@
             <p:ph type="body" sz="quarter" idx="10"/>
           </p:nvPr>
         </p:nvSpPr>
-        <p:spPr/>
-        <p:txBody>
-          <a:bodyPr/>
-          <a:lstStyle/>
-          <a:p>
-            <a:r>
-              <a:rPr lang="en-US" dirty="0"/>
-              <a:t>Basic I/O</a:t>
-            </a:r>
-          </a:p>
-        </p:txBody>
-      </p:sp>
-      <p:sp>
-        <p:nvSpPr>
-          <p:cNvPr id="3" name="Text Placeholder 2"/>
-          <p:cNvSpPr>
-            <a:spLocks noGrp="1"/>
-          </p:cNvSpPr>
-          <p:nvPr>
-            <p:ph type="body" sz="quarter" idx="12"/>
-          </p:nvPr>
-        </p:nvSpPr>
         <p:spPr>
           <a:xfrm>
-            <a:off x="444500" y="1409700"/>
-            <a:ext cx="9245600" cy="4826000"/>
+            <a:off x="406400" y="247650"/>
+            <a:ext cx="9245600" cy="519113"/>
           </a:xfrm>
         </p:spPr>
         <p:txBody>
           <a:bodyPr/>
           <a:lstStyle/>
           <a:p>
-            <a:pPr marL="0" indent="0">
-              <a:buNone/>
-            </a:pPr>
-            <a:r>
-              <a:rPr lang="en-US" sz="2400" b="1" dirty="0">
-                <a:solidFill>
-                  <a:srgbClr val="CE1B22"/>
-                </a:solidFill>
-              </a:rPr>
-              <a:t>#include &lt;</a:t>
-            </a:r>
-            <a:r>
-              <a:rPr lang="en-US" sz="2400" b="1" dirty="0" err="1">
-                <a:solidFill>
-                  <a:srgbClr val="CE1B22"/>
-                </a:solidFill>
-              </a:rPr>
-              <a:t>stdio.h</a:t>
-            </a:r>
-            <a:r>
-              <a:rPr lang="en-US" sz="2400" b="1" dirty="0">
-                <a:solidFill>
-                  <a:srgbClr val="CE1B22"/>
-                </a:solidFill>
-              </a:rPr>
-              <a:t>&gt;			</a:t>
-            </a:r>
-            <a:r>
-              <a:rPr lang="en-US" sz="2400" dirty="0">
-                <a:solidFill>
-                  <a:schemeClr val="tx1"/>
-                </a:solidFill>
-              </a:rPr>
-              <a:t>/* header file for Standard Input Output */</a:t>
-            </a:r>
-          </a:p>
-          <a:p>
-            <a:pPr marL="0" indent="0">
-              <a:buNone/>
-            </a:pPr>
-            <a:endParaRPr lang="en-US" sz="1000" dirty="0">
-              <a:solidFill>
-                <a:schemeClr val="tx1"/>
-              </a:solidFill>
-            </a:endParaRPr>
-          </a:p>
-          <a:p>
-            <a:r>
-              <a:rPr lang="en-US" sz="2400" b="1" dirty="0" err="1">
-                <a:solidFill>
-                  <a:schemeClr val="tx1"/>
-                </a:solidFill>
-              </a:rPr>
-              <a:t>printf</a:t>
-            </a:r>
-            <a:r>
-              <a:rPr lang="en-US" sz="2400" b="1" dirty="0">
-                <a:solidFill>
-                  <a:schemeClr val="tx1"/>
-                </a:solidFill>
-              </a:rPr>
-              <a:t> examples</a:t>
-            </a:r>
-          </a:p>
-          <a:p>
-            <a:endParaRPr lang="en-US" sz="2400" b="1" dirty="0">
-              <a:solidFill>
-                <a:schemeClr val="tx1"/>
-              </a:solidFill>
-            </a:endParaRPr>
-          </a:p>
-          <a:p>
-            <a:endParaRPr lang="en-US" sz="2400" b="1" dirty="0">
-              <a:solidFill>
-                <a:schemeClr val="tx1"/>
-              </a:solidFill>
-            </a:endParaRPr>
-          </a:p>
-          <a:p>
-            <a:endParaRPr lang="en-US" sz="2400" b="1" dirty="0">
-              <a:solidFill>
-                <a:schemeClr val="tx1"/>
-              </a:solidFill>
-            </a:endParaRPr>
-          </a:p>
-          <a:p>
-            <a:endParaRPr lang="en-US" sz="2400" b="1" dirty="0">
-              <a:solidFill>
-                <a:schemeClr val="tx1"/>
-              </a:solidFill>
-            </a:endParaRPr>
-          </a:p>
-          <a:p>
-            <a:r>
-              <a:rPr lang="en-US" sz="2400" b="1" dirty="0" err="1">
-                <a:solidFill>
-                  <a:schemeClr val="tx1"/>
-                </a:solidFill>
-              </a:rPr>
-              <a:t>scanf</a:t>
-            </a:r>
-            <a:r>
-              <a:rPr lang="en-US" sz="2400" b="1" dirty="0">
-                <a:solidFill>
-                  <a:schemeClr val="tx1"/>
-                </a:solidFill>
-              </a:rPr>
-              <a:t> examples</a:t>
-            </a:r>
-          </a:p>
-          <a:p>
-            <a:endParaRPr lang="en-US" sz="2400" b="1" dirty="0">
-              <a:solidFill>
-                <a:schemeClr val="tx1"/>
-              </a:solidFill>
-            </a:endParaRPr>
-          </a:p>
-          <a:p>
-            <a:pPr marL="0" indent="0">
-              <a:buNone/>
-            </a:pPr>
-            <a:endParaRPr lang="en-US" sz="2400" b="1" dirty="0">
-              <a:solidFill>
-                <a:schemeClr val="tx1"/>
-              </a:solidFill>
-            </a:endParaRPr>
-          </a:p>
-          <a:p>
-            <a:pPr marL="0" indent="0">
-              <a:buNone/>
-            </a:pPr>
-            <a:endParaRPr lang="en-US" sz="1800" b="1" dirty="0">
-              <a:solidFill>
-                <a:schemeClr val="tx1"/>
-              </a:solidFill>
-            </a:endParaRPr>
-          </a:p>
-          <a:p>
-            <a:pPr marL="0" indent="0">
-              <a:buNone/>
-            </a:pPr>
-            <a:r>
-              <a:rPr lang="en-US" sz="2400" dirty="0">
-                <a:solidFill>
-                  <a:schemeClr val="tx1"/>
-                </a:solidFill>
-              </a:rPr>
-              <a:t>Formatting option: %d, %x, %c, %s, %f, \n, </a:t>
-            </a:r>
-          </a:p>
-          <a:p>
-            <a:pPr marL="0" indent="0">
-              <a:buNone/>
-            </a:pPr>
-            <a:endParaRPr lang="en-US" sz="1000" dirty="0">
-              <a:solidFill>
-                <a:schemeClr val="tx1"/>
-              </a:solidFill>
-            </a:endParaRPr>
-          </a:p>
-          <a:p>
-            <a:pPr marL="0" indent="0">
-              <a:buNone/>
-            </a:pPr>
-            <a:r>
-              <a:rPr lang="en-US" sz="2400" dirty="0">
-                <a:solidFill>
-                  <a:schemeClr val="tx1"/>
-                </a:solidFill>
-              </a:rPr>
-              <a:t>Use “</a:t>
-            </a:r>
-            <a:r>
-              <a:rPr lang="en-US" sz="2400" b="1" dirty="0">
-                <a:solidFill>
-                  <a:schemeClr val="tx1"/>
-                </a:solidFill>
-              </a:rPr>
-              <a:t>man</a:t>
-            </a:r>
-            <a:r>
-              <a:rPr lang="en-US" sz="2400" dirty="0">
-                <a:solidFill>
-                  <a:schemeClr val="tx1"/>
-                </a:solidFill>
-              </a:rPr>
-              <a:t>” to look up library functions</a:t>
-            </a:r>
+            <a:r>
+              <a:rPr lang="en-US" dirty="0" smtClean="0"/>
+              <a:t>Relational and Logical Operators</a:t>
+            </a:r>
+            <a:endParaRPr lang="en-US" dirty="0"/>
           </a:p>
         </p:txBody>
       </p:sp>
       <p:sp>
         <p:nvSpPr>
-          <p:cNvPr id="4" name="TextBox 3"/>
-          <p:cNvSpPr txBox="1"/>
+          <p:cNvPr id="4" name="Rectangle 3"/>
+          <p:cNvSpPr/>
           <p:nvPr/>
         </p:nvSpPr>
         <p:spPr>
           <a:xfrm>
-            <a:off x="9647865" y="6614042"/>
-            <a:ext cx="314510" cy="400110"/>
+            <a:off x="406400" y="1232816"/>
+            <a:ext cx="4289425" cy="5047536"/>
           </a:xfrm>
           <a:prstGeom prst="rect">
             <a:avLst/>
           </a:prstGeom>
-          <a:noFill/>
+          <a:ln>
+            <a:solidFill>
+              <a:schemeClr val="accent1"/>
+            </a:solidFill>
+          </a:ln>
         </p:spPr>
         <p:txBody>
-          <a:bodyPr wrap="none" rtlCol="0">
+          <a:bodyPr wrap="square">
             <a:spAutoFit/>
           </a:bodyPr>
           <a:lstStyle/>
           <a:p>
-            <a:r>
-              <a:rPr lang="en-US" dirty="0"/>
-              <a:t>9</a:t>
-            </a:r>
+            <a:pPr marR="0" lvl="0">
+              <a:lnSpc>
+                <a:spcPct val="115000"/>
+              </a:lnSpc>
+              <a:spcBef>
+                <a:spcPts val="0"/>
+              </a:spcBef>
+              <a:spcAft>
+                <a:spcPts val="0"/>
+              </a:spcAft>
+            </a:pPr>
+            <a:r>
+              <a:rPr lang="en-US" b="1" dirty="0" smtClean="0">
+                <a:latin typeface="Calibri" panose="020F0502020204030204" pitchFamily="34" charset="0"/>
+                <a:ea typeface="Times New Roman" panose="02020603050405020304" pitchFamily="18" charset="0"/>
+                <a:cs typeface="Times New Roman" panose="02020603050405020304" pitchFamily="18" charset="0"/>
+              </a:rPr>
+              <a:t>Relational Operators:</a:t>
+            </a:r>
+          </a:p>
+          <a:p>
+            <a:pPr marL="342900" marR="0" lvl="0" indent="-342900">
+              <a:lnSpc>
+                <a:spcPct val="115000"/>
+              </a:lnSpc>
+              <a:spcBef>
+                <a:spcPts val="0"/>
+              </a:spcBef>
+              <a:spcAft>
+                <a:spcPts val="0"/>
+              </a:spcAft>
+              <a:buFont typeface="Symbol" panose="05050102010706020507" pitchFamily="18" charset="2"/>
+              <a:buChar char=""/>
+            </a:pPr>
+            <a:r>
+              <a:rPr lang="en-US" dirty="0" smtClean="0">
+                <a:latin typeface="Calibri" panose="020F0502020204030204" pitchFamily="34" charset="0"/>
+                <a:ea typeface="Times New Roman" panose="02020603050405020304" pitchFamily="18" charset="0"/>
+                <a:cs typeface="Times New Roman" panose="02020603050405020304" pitchFamily="18" charset="0"/>
+              </a:rPr>
+              <a:t>&gt;  </a:t>
+            </a:r>
+            <a:r>
+              <a:rPr lang="en-US" dirty="0">
+                <a:latin typeface="Calibri" panose="020F0502020204030204" pitchFamily="34" charset="0"/>
+                <a:ea typeface="Times New Roman" panose="02020603050405020304" pitchFamily="18" charset="0"/>
+                <a:cs typeface="Times New Roman" panose="02020603050405020304" pitchFamily="18" charset="0"/>
+              </a:rPr>
+              <a:t>less</a:t>
+            </a:r>
+          </a:p>
+          <a:p>
+            <a:pPr marL="342900" marR="0" lvl="0" indent="-342900">
+              <a:lnSpc>
+                <a:spcPct val="115000"/>
+              </a:lnSpc>
+              <a:spcBef>
+                <a:spcPts val="0"/>
+              </a:spcBef>
+              <a:spcAft>
+                <a:spcPts val="0"/>
+              </a:spcAft>
+              <a:buFont typeface="Symbol" panose="05050102010706020507" pitchFamily="18" charset="2"/>
+              <a:buChar char=""/>
+            </a:pPr>
+            <a:r>
+              <a:rPr lang="en-US" dirty="0">
+                <a:latin typeface="Calibri" panose="020F0502020204030204" pitchFamily="34" charset="0"/>
+                <a:ea typeface="Times New Roman" panose="02020603050405020304" pitchFamily="18" charset="0"/>
+                <a:cs typeface="Times New Roman" panose="02020603050405020304" pitchFamily="18" charset="0"/>
+              </a:rPr>
+              <a:t>&gt;=  less or equal</a:t>
+            </a:r>
+          </a:p>
+          <a:p>
+            <a:pPr marL="342900" marR="0" lvl="0" indent="-342900">
+              <a:lnSpc>
+                <a:spcPct val="115000"/>
+              </a:lnSpc>
+              <a:spcBef>
+                <a:spcPts val="0"/>
+              </a:spcBef>
+              <a:spcAft>
+                <a:spcPts val="0"/>
+              </a:spcAft>
+              <a:buFont typeface="Symbol" panose="05050102010706020507" pitchFamily="18" charset="2"/>
+              <a:buChar char=""/>
+            </a:pPr>
+            <a:r>
+              <a:rPr lang="en-US" dirty="0">
+                <a:latin typeface="Calibri" panose="020F0502020204030204" pitchFamily="34" charset="0"/>
+                <a:ea typeface="Times New Roman" panose="02020603050405020304" pitchFamily="18" charset="0"/>
+                <a:cs typeface="Times New Roman" panose="02020603050405020304" pitchFamily="18" charset="0"/>
+              </a:rPr>
+              <a:t>&lt;  more</a:t>
+            </a:r>
+          </a:p>
+          <a:p>
+            <a:pPr marL="342900" marR="0" lvl="0" indent="-342900">
+              <a:lnSpc>
+                <a:spcPct val="115000"/>
+              </a:lnSpc>
+              <a:spcBef>
+                <a:spcPts val="0"/>
+              </a:spcBef>
+              <a:spcAft>
+                <a:spcPts val="0"/>
+              </a:spcAft>
+              <a:buFont typeface="Symbol" panose="05050102010706020507" pitchFamily="18" charset="2"/>
+              <a:buChar char=""/>
+            </a:pPr>
+            <a:r>
+              <a:rPr lang="en-US" dirty="0">
+                <a:latin typeface="Calibri" panose="020F0502020204030204" pitchFamily="34" charset="0"/>
+                <a:ea typeface="Times New Roman" panose="02020603050405020304" pitchFamily="18" charset="0"/>
+                <a:cs typeface="Times New Roman" panose="02020603050405020304" pitchFamily="18" charset="0"/>
+              </a:rPr>
+              <a:t>&lt;=  more or equal</a:t>
+            </a:r>
+          </a:p>
+          <a:p>
+            <a:pPr marL="342900" marR="0" lvl="0" indent="-342900">
+              <a:lnSpc>
+                <a:spcPct val="115000"/>
+              </a:lnSpc>
+              <a:spcBef>
+                <a:spcPts val="0"/>
+              </a:spcBef>
+              <a:spcAft>
+                <a:spcPts val="0"/>
+              </a:spcAft>
+              <a:buFont typeface="Symbol" panose="05050102010706020507" pitchFamily="18" charset="2"/>
+              <a:buChar char=""/>
+            </a:pPr>
+            <a:r>
+              <a:rPr lang="en-US" dirty="0">
+                <a:latin typeface="Calibri" panose="020F0502020204030204" pitchFamily="34" charset="0"/>
+                <a:ea typeface="Times New Roman" panose="02020603050405020304" pitchFamily="18" charset="0"/>
+                <a:cs typeface="Times New Roman" panose="02020603050405020304" pitchFamily="18" charset="0"/>
+              </a:rPr>
+              <a:t>==  equal</a:t>
+            </a:r>
+          </a:p>
+          <a:p>
+            <a:pPr marL="342900" marR="0" lvl="0" indent="-342900">
+              <a:lnSpc>
+                <a:spcPct val="115000"/>
+              </a:lnSpc>
+              <a:spcBef>
+                <a:spcPts val="0"/>
+              </a:spcBef>
+              <a:spcAft>
+                <a:spcPts val="0"/>
+              </a:spcAft>
+              <a:buFont typeface="Symbol" panose="05050102010706020507" pitchFamily="18" charset="2"/>
+              <a:buChar char=""/>
+            </a:pPr>
+            <a:r>
+              <a:rPr lang="en-US" dirty="0">
+                <a:latin typeface="Calibri" panose="020F0502020204030204" pitchFamily="34" charset="0"/>
+                <a:ea typeface="Times New Roman" panose="02020603050405020304" pitchFamily="18" charset="0"/>
+                <a:cs typeface="Times New Roman" panose="02020603050405020304" pitchFamily="18" charset="0"/>
+              </a:rPr>
+              <a:t>!=  not equal</a:t>
+            </a:r>
+          </a:p>
+          <a:p>
+            <a:pPr marR="0" lvl="0">
+              <a:lnSpc>
+                <a:spcPct val="115000"/>
+              </a:lnSpc>
+              <a:spcBef>
+                <a:spcPts val="0"/>
+              </a:spcBef>
+              <a:spcAft>
+                <a:spcPts val="0"/>
+              </a:spcAft>
+            </a:pPr>
+            <a:r>
+              <a:rPr lang="en-US" dirty="0">
+                <a:latin typeface="Calibri" panose="020F0502020204030204" pitchFamily="34" charset="0"/>
+                <a:ea typeface="Times New Roman" panose="02020603050405020304" pitchFamily="18" charset="0"/>
+                <a:cs typeface="Times New Roman" panose="02020603050405020304" pitchFamily="18" charset="0"/>
+              </a:rPr>
+              <a:t>Examples</a:t>
+            </a:r>
+          </a:p>
+          <a:p>
+            <a:pPr marL="233538" indent="-285750">
+              <a:lnSpc>
+                <a:spcPct val="115000"/>
+              </a:lnSpc>
+              <a:buFont typeface="Courier New" panose="02070309020205020404" pitchFamily="49" charset="0"/>
+              <a:buChar char="o"/>
+            </a:pPr>
+            <a:r>
+              <a:rPr lang="en-US" dirty="0">
+                <a:latin typeface="Calibri" panose="020F0502020204030204" pitchFamily="34" charset="0"/>
+                <a:ea typeface="Times New Roman" panose="02020603050405020304" pitchFamily="18" charset="0"/>
+                <a:cs typeface="Times New Roman" panose="02020603050405020304" pitchFamily="18" charset="0"/>
+              </a:rPr>
+              <a:t>q = (</a:t>
+            </a:r>
+            <a:r>
+              <a:rPr lang="en-US" dirty="0" smtClean="0">
+                <a:latin typeface="Calibri" panose="020F0502020204030204" pitchFamily="34" charset="0"/>
+                <a:ea typeface="Times New Roman" panose="02020603050405020304" pitchFamily="18" charset="0"/>
+                <a:cs typeface="Times New Roman" panose="02020603050405020304" pitchFamily="18" charset="0"/>
+              </a:rPr>
+              <a:t>32 </a:t>
+            </a:r>
+            <a:r>
+              <a:rPr lang="en-US" dirty="0">
+                <a:latin typeface="Calibri" panose="020F0502020204030204" pitchFamily="34" charset="0"/>
+                <a:ea typeface="Times New Roman" panose="02020603050405020304" pitchFamily="18" charset="0"/>
+                <a:cs typeface="Times New Roman" panose="02020603050405020304" pitchFamily="18" charset="0"/>
+              </a:rPr>
+              <a:t>== </a:t>
+            </a:r>
+            <a:r>
+              <a:rPr lang="en-US" dirty="0" smtClean="0">
+                <a:latin typeface="Calibri" panose="020F0502020204030204" pitchFamily="34" charset="0"/>
+                <a:ea typeface="Times New Roman" panose="02020603050405020304" pitchFamily="18" charset="0"/>
+                <a:cs typeface="Times New Roman" panose="02020603050405020304" pitchFamily="18" charset="0"/>
+              </a:rPr>
+              <a:t>80);  </a:t>
+            </a:r>
+            <a:r>
+              <a:rPr lang="en-US" dirty="0">
+                <a:latin typeface="Calibri" panose="020F0502020204030204" pitchFamily="34" charset="0"/>
+                <a:ea typeface="Times New Roman" panose="02020603050405020304" pitchFamily="18" charset="0"/>
+                <a:cs typeface="Times New Roman" panose="02020603050405020304" pitchFamily="18" charset="0"/>
+              </a:rPr>
+              <a:t>/*q = 0 */</a:t>
+            </a:r>
+          </a:p>
+          <a:p>
+            <a:pPr marL="233538" indent="-285750">
+              <a:lnSpc>
+                <a:spcPct val="115000"/>
+              </a:lnSpc>
+              <a:buFont typeface="Courier New" panose="02070309020205020404" pitchFamily="49" charset="0"/>
+              <a:buChar char="o"/>
+            </a:pPr>
+            <a:r>
+              <a:rPr lang="en-US" dirty="0">
+                <a:latin typeface="Calibri" panose="020F0502020204030204" pitchFamily="34" charset="0"/>
+                <a:ea typeface="Times New Roman" panose="02020603050405020304" pitchFamily="18" charset="0"/>
+                <a:cs typeface="Times New Roman" panose="02020603050405020304" pitchFamily="18" charset="0"/>
+              </a:rPr>
+              <a:t>q = (x == y);         </a:t>
+            </a:r>
+            <a:endParaRPr lang="en-US" dirty="0" smtClean="0">
+              <a:latin typeface="Calibri" panose="020F0502020204030204" pitchFamily="34" charset="0"/>
+              <a:ea typeface="Times New Roman" panose="02020603050405020304" pitchFamily="18" charset="0"/>
+              <a:cs typeface="Times New Roman" panose="02020603050405020304" pitchFamily="18" charset="0"/>
+            </a:endParaRPr>
+          </a:p>
+          <a:p>
+            <a:pPr>
+              <a:lnSpc>
+                <a:spcPct val="115000"/>
+              </a:lnSpc>
+            </a:pPr>
+            <a:r>
+              <a:rPr lang="en-US" dirty="0" smtClean="0">
+                <a:latin typeface="Calibri" panose="020F0502020204030204" pitchFamily="34" charset="0"/>
+                <a:ea typeface="Times New Roman" panose="02020603050405020304" pitchFamily="18" charset="0"/>
+                <a:cs typeface="Times New Roman" panose="02020603050405020304" pitchFamily="18" charset="0"/>
+              </a:rPr>
+              <a:t>/* </a:t>
+            </a:r>
+            <a:r>
+              <a:rPr lang="en-US" dirty="0">
+                <a:latin typeface="Calibri" panose="020F0502020204030204" pitchFamily="34" charset="0"/>
+                <a:ea typeface="Times New Roman" panose="02020603050405020304" pitchFamily="18" charset="0"/>
+                <a:cs typeface="Times New Roman" panose="02020603050405020304" pitchFamily="18" charset="0"/>
+              </a:rPr>
+              <a:t>q is </a:t>
+            </a:r>
+            <a:r>
+              <a:rPr lang="en-US" dirty="0" smtClean="0">
+                <a:latin typeface="Calibri" panose="020F0502020204030204" pitchFamily="34" charset="0"/>
+                <a:ea typeface="Times New Roman" panose="02020603050405020304" pitchFamily="18" charset="0"/>
+                <a:cs typeface="Times New Roman" panose="02020603050405020304" pitchFamily="18" charset="0"/>
+              </a:rPr>
+              <a:t>1 </a:t>
+            </a:r>
+            <a:r>
+              <a:rPr lang="en-US" dirty="0">
+                <a:latin typeface="Calibri" panose="020F0502020204030204" pitchFamily="34" charset="0"/>
+                <a:ea typeface="Times New Roman" panose="02020603050405020304" pitchFamily="18" charset="0"/>
+                <a:cs typeface="Times New Roman" panose="02020603050405020304" pitchFamily="18" charset="0"/>
+              </a:rPr>
+              <a:t>if x == y, otherwise </a:t>
+            </a:r>
+            <a:r>
+              <a:rPr lang="en-US" dirty="0" smtClean="0">
+                <a:latin typeface="Calibri" panose="020F0502020204030204" pitchFamily="34" charset="0"/>
+                <a:ea typeface="Times New Roman" panose="02020603050405020304" pitchFamily="18" charset="0"/>
+                <a:cs typeface="Times New Roman" panose="02020603050405020304" pitchFamily="18" charset="0"/>
+              </a:rPr>
+              <a:t> q </a:t>
+            </a:r>
+            <a:r>
+              <a:rPr lang="en-US" dirty="0">
+                <a:latin typeface="Calibri" panose="020F0502020204030204" pitchFamily="34" charset="0"/>
+                <a:ea typeface="Times New Roman" panose="02020603050405020304" pitchFamily="18" charset="0"/>
+                <a:cs typeface="Times New Roman" panose="02020603050405020304" pitchFamily="18" charset="0"/>
+              </a:rPr>
+              <a:t>is 0  */</a:t>
+            </a:r>
+          </a:p>
+          <a:p>
+            <a:pPr marL="233538" indent="-285750">
+              <a:lnSpc>
+                <a:spcPct val="115000"/>
+              </a:lnSpc>
+              <a:spcAft>
+                <a:spcPts val="1000"/>
+              </a:spcAft>
+              <a:buFont typeface="Courier New" panose="02070309020205020404" pitchFamily="49" charset="0"/>
+              <a:buChar char="o"/>
+            </a:pPr>
+            <a:r>
+              <a:rPr lang="en-US" dirty="0">
+                <a:latin typeface="Calibri" panose="020F0502020204030204" pitchFamily="34" charset="0"/>
+                <a:ea typeface="Times New Roman" panose="02020603050405020304" pitchFamily="18" charset="0"/>
+                <a:cs typeface="Times New Roman" panose="02020603050405020304" pitchFamily="18" charset="0"/>
+              </a:rPr>
+              <a:t>h = f &lt;= g;           </a:t>
+            </a:r>
+            <a:r>
+              <a:rPr lang="en-US" dirty="0" smtClean="0">
+                <a:latin typeface="Calibri" panose="020F0502020204030204" pitchFamily="34" charset="0"/>
+                <a:ea typeface="Times New Roman" panose="02020603050405020304" pitchFamily="18" charset="0"/>
+                <a:cs typeface="Times New Roman" panose="02020603050405020304" pitchFamily="18" charset="0"/>
+              </a:rPr>
+              <a:t>                                                /* </a:t>
+            </a:r>
+            <a:r>
+              <a:rPr lang="en-US" dirty="0">
+                <a:latin typeface="Calibri" panose="020F0502020204030204" pitchFamily="34" charset="0"/>
+                <a:ea typeface="Times New Roman" panose="02020603050405020304" pitchFamily="18" charset="0"/>
+                <a:cs typeface="Times New Roman" panose="02020603050405020304" pitchFamily="18" charset="0"/>
+              </a:rPr>
+              <a:t>h is 1 when f is </a:t>
+            </a:r>
+            <a:r>
+              <a:rPr lang="en-US" dirty="0" smtClean="0">
+                <a:latin typeface="Calibri" panose="020F0502020204030204" pitchFamily="34" charset="0"/>
+                <a:ea typeface="Times New Roman" panose="02020603050405020304" pitchFamily="18" charset="0"/>
+                <a:cs typeface="Times New Roman" panose="02020603050405020304" pitchFamily="18" charset="0"/>
+              </a:rPr>
+              <a:t>less than or equal </a:t>
+            </a:r>
+            <a:r>
+              <a:rPr lang="en-US" dirty="0">
+                <a:latin typeface="Calibri" panose="020F0502020204030204" pitchFamily="34" charset="0"/>
+                <a:ea typeface="Times New Roman" panose="02020603050405020304" pitchFamily="18" charset="0"/>
+                <a:cs typeface="Times New Roman" panose="02020603050405020304" pitchFamily="18" charset="0"/>
+              </a:rPr>
+              <a:t>g */</a:t>
+            </a:r>
+            <a:endParaRPr lang="en-US" dirty="0">
+              <a:effectLst/>
+              <a:latin typeface="Calibri" panose="020F0502020204030204" pitchFamily="34" charset="0"/>
+              <a:ea typeface="Times New Roman" panose="02020603050405020304" pitchFamily="18" charset="0"/>
+              <a:cs typeface="Times New Roman" panose="02020603050405020304" pitchFamily="18" charset="0"/>
+            </a:endParaRPr>
           </a:p>
         </p:txBody>
       </p:sp>
-      <p:pic>
-        <p:nvPicPr>
-          <p:cNvPr id="5" name="Picture 4"/>
-          <p:cNvPicPr>
-            <a:picLocks noChangeAspect="1"/>
-          </p:cNvPicPr>
+      <p:sp>
+        <p:nvSpPr>
+          <p:cNvPr id="5" name="Rectangle 4"/>
+          <p:cNvSpPr/>
           <p:nvPr/>
-        </p:nvPicPr>
-        <p:blipFill>
-          <a:blip r:embed="rId2"/>
-          <a:stretch>
-            <a:fillRect/>
-          </a:stretch>
-        </p:blipFill>
+        </p:nvSpPr>
         <p:spPr>
           <a:xfrm>
-            <a:off x="4076700" y="2163768"/>
-            <a:ext cx="4927600" cy="1428132"/>
+            <a:off x="4876796" y="1232816"/>
+            <a:ext cx="5029200" cy="3277820"/>
           </a:xfrm>
           <a:prstGeom prst="rect">
             <a:avLst/>
           </a:prstGeom>
+          <a:ln>
+            <a:solidFill>
+              <a:schemeClr val="accent1"/>
+            </a:solidFill>
+          </a:ln>
         </p:spPr>
-      </p:pic>
-      <p:pic>
-        <p:nvPicPr>
-          <p:cNvPr id="6" name="Picture 5"/>
-          <p:cNvPicPr>
-            <a:picLocks noChangeAspect="1"/>
-          </p:cNvPicPr>
-          <p:nvPr/>
-        </p:nvPicPr>
-        <p:blipFill>
-          <a:blip r:embed="rId3"/>
-          <a:stretch>
-            <a:fillRect/>
-          </a:stretch>
-        </p:blipFill>
-        <p:spPr>
-          <a:xfrm>
-            <a:off x="4076700" y="4312625"/>
-            <a:ext cx="3917950" cy="1101569"/>
-          </a:xfrm>
-          <a:prstGeom prst="rect">
-            <a:avLst/>
-          </a:prstGeom>
-        </p:spPr>
-      </p:pic>
+        <p:txBody>
+          <a:bodyPr>
+            <a:spAutoFit/>
+          </a:bodyPr>
+          <a:lstStyle/>
+          <a:p>
+            <a:pPr marR="0" lvl="0">
+              <a:lnSpc>
+                <a:spcPct val="115000"/>
+              </a:lnSpc>
+              <a:spcBef>
+                <a:spcPts val="0"/>
+              </a:spcBef>
+              <a:spcAft>
+                <a:spcPts val="0"/>
+              </a:spcAft>
+            </a:pPr>
+            <a:r>
+              <a:rPr lang="en-US" b="1" dirty="0" smtClean="0">
+                <a:latin typeface="Calibri" panose="020F0502020204030204" pitchFamily="34" charset="0"/>
+                <a:ea typeface="Times New Roman" panose="02020603050405020304" pitchFamily="18" charset="0"/>
+                <a:cs typeface="Times New Roman" panose="02020603050405020304" pitchFamily="18" charset="0"/>
+              </a:rPr>
+              <a:t>Logical </a:t>
+            </a:r>
+            <a:r>
+              <a:rPr lang="en-US" b="1" dirty="0">
+                <a:latin typeface="Calibri" panose="020F0502020204030204" pitchFamily="34" charset="0"/>
+                <a:ea typeface="Times New Roman" panose="02020603050405020304" pitchFamily="18" charset="0"/>
+                <a:cs typeface="Times New Roman" panose="02020603050405020304" pitchFamily="18" charset="0"/>
+              </a:rPr>
+              <a:t>Operators:</a:t>
+            </a:r>
+          </a:p>
+          <a:p>
+            <a:pPr marL="342900" marR="0" lvl="0" indent="-342900">
+              <a:lnSpc>
+                <a:spcPct val="115000"/>
+              </a:lnSpc>
+              <a:spcBef>
+                <a:spcPts val="0"/>
+              </a:spcBef>
+              <a:spcAft>
+                <a:spcPts val="0"/>
+              </a:spcAft>
+              <a:buFont typeface="Symbol" panose="05050102010706020507" pitchFamily="18" charset="2"/>
+              <a:buChar char=""/>
+            </a:pPr>
+            <a:r>
+              <a:rPr lang="en-US" dirty="0" smtClean="0">
+                <a:latin typeface="Calibri" panose="020F0502020204030204" pitchFamily="34" charset="0"/>
+                <a:ea typeface="Times New Roman" panose="02020603050405020304" pitchFamily="18" charset="0"/>
+                <a:cs typeface="Times New Roman" panose="02020603050405020304" pitchFamily="18" charset="0"/>
+              </a:rPr>
+              <a:t>value </a:t>
+            </a:r>
+            <a:r>
+              <a:rPr lang="en-US" dirty="0">
+                <a:latin typeface="Calibri" panose="020F0502020204030204" pitchFamily="34" charset="0"/>
+                <a:ea typeface="Times New Roman" panose="02020603050405020304" pitchFamily="18" charset="0"/>
+                <a:cs typeface="Times New Roman" panose="02020603050405020304" pitchFamily="18" charset="0"/>
+              </a:rPr>
+              <a:t>of 0 is referred to as logically false</a:t>
+            </a:r>
+          </a:p>
+          <a:p>
+            <a:pPr marL="342900" marR="0" lvl="0" indent="-342900">
+              <a:lnSpc>
+                <a:spcPct val="115000"/>
+              </a:lnSpc>
+              <a:spcBef>
+                <a:spcPts val="0"/>
+              </a:spcBef>
+              <a:spcAft>
+                <a:spcPts val="0"/>
+              </a:spcAft>
+              <a:buFont typeface="Symbol" panose="05050102010706020507" pitchFamily="18" charset="2"/>
+              <a:buChar char=""/>
+            </a:pPr>
+            <a:r>
+              <a:rPr lang="en-US" dirty="0">
+                <a:latin typeface="Calibri" panose="020F0502020204030204" pitchFamily="34" charset="0"/>
+                <a:ea typeface="Times New Roman" panose="02020603050405020304" pitchFamily="18" charset="0"/>
+                <a:cs typeface="Times New Roman" panose="02020603050405020304" pitchFamily="18" charset="0"/>
+              </a:rPr>
+              <a:t>value of </a:t>
+            </a:r>
+            <a:r>
+              <a:rPr lang="en-US" dirty="0" smtClean="0">
+                <a:latin typeface="Calibri" panose="020F0502020204030204" pitchFamily="34" charset="0"/>
+                <a:ea typeface="Times New Roman" panose="02020603050405020304" pitchFamily="18" charset="0"/>
+                <a:cs typeface="Times New Roman" panose="02020603050405020304" pitchFamily="18" charset="0"/>
+              </a:rPr>
+              <a:t>1 </a:t>
+            </a:r>
+            <a:r>
+              <a:rPr lang="en-US" dirty="0">
+                <a:latin typeface="Calibri" panose="020F0502020204030204" pitchFamily="34" charset="0"/>
+                <a:ea typeface="Times New Roman" panose="02020603050405020304" pitchFamily="18" charset="0"/>
+                <a:cs typeface="Times New Roman" panose="02020603050405020304" pitchFamily="18" charset="0"/>
+              </a:rPr>
+              <a:t>is referred to as logically true</a:t>
+            </a:r>
+          </a:p>
+          <a:p>
+            <a:pPr marL="342900" marR="0" lvl="0" indent="-342900">
+              <a:lnSpc>
+                <a:spcPct val="115000"/>
+              </a:lnSpc>
+              <a:spcBef>
+                <a:spcPts val="0"/>
+              </a:spcBef>
+              <a:spcAft>
+                <a:spcPts val="0"/>
+              </a:spcAft>
+              <a:buFont typeface="Symbol" panose="05050102010706020507" pitchFamily="18" charset="2"/>
+              <a:buChar char=""/>
+            </a:pPr>
+            <a:r>
+              <a:rPr lang="en-US" dirty="0">
+                <a:latin typeface="Calibri" panose="020F0502020204030204" pitchFamily="34" charset="0"/>
+                <a:ea typeface="Times New Roman" panose="02020603050405020304" pitchFamily="18" charset="0"/>
+                <a:cs typeface="Times New Roman" panose="02020603050405020304" pitchFamily="18" charset="0"/>
+              </a:rPr>
+              <a:t>!  - logical NOT</a:t>
+            </a:r>
+          </a:p>
+          <a:p>
+            <a:pPr marL="342900" marR="0" lvl="0" indent="-342900">
+              <a:lnSpc>
+                <a:spcPct val="115000"/>
+              </a:lnSpc>
+              <a:spcBef>
+                <a:spcPts val="0"/>
+              </a:spcBef>
+              <a:spcAft>
+                <a:spcPts val="0"/>
+              </a:spcAft>
+              <a:buFont typeface="Symbol" panose="05050102010706020507" pitchFamily="18" charset="2"/>
+              <a:buChar char=""/>
+            </a:pPr>
+            <a:r>
+              <a:rPr lang="en-US" dirty="0">
+                <a:latin typeface="Calibri" panose="020F0502020204030204" pitchFamily="34" charset="0"/>
+                <a:ea typeface="Times New Roman" panose="02020603050405020304" pitchFamily="18" charset="0"/>
+                <a:cs typeface="Times New Roman" panose="02020603050405020304" pitchFamily="18" charset="0"/>
+              </a:rPr>
+              <a:t>&amp;&amp;  logical AND</a:t>
+            </a:r>
+          </a:p>
+          <a:p>
+            <a:pPr marL="342900" marR="0" lvl="0" indent="-342900">
+              <a:lnSpc>
+                <a:spcPct val="115000"/>
+              </a:lnSpc>
+              <a:spcBef>
+                <a:spcPts val="0"/>
+              </a:spcBef>
+              <a:spcAft>
+                <a:spcPts val="0"/>
+              </a:spcAft>
+              <a:buFont typeface="Symbol" panose="05050102010706020507" pitchFamily="18" charset="2"/>
+              <a:buChar char=""/>
+            </a:pPr>
+            <a:r>
+              <a:rPr lang="en-US" dirty="0">
+                <a:latin typeface="Calibri" panose="020F0502020204030204" pitchFamily="34" charset="0"/>
+                <a:ea typeface="Times New Roman" panose="02020603050405020304" pitchFamily="18" charset="0"/>
+                <a:cs typeface="Times New Roman" panose="02020603050405020304" pitchFamily="18" charset="0"/>
+              </a:rPr>
+              <a:t>|| logical OR</a:t>
+            </a:r>
+          </a:p>
+          <a:p>
+            <a:pPr marR="0" lvl="0">
+              <a:lnSpc>
+                <a:spcPct val="115000"/>
+              </a:lnSpc>
+              <a:spcBef>
+                <a:spcPts val="0"/>
+              </a:spcBef>
+            </a:pPr>
+            <a:r>
+              <a:rPr lang="en-US" dirty="0" smtClean="0">
+                <a:latin typeface="Calibri" panose="020F0502020204030204" pitchFamily="34" charset="0"/>
+                <a:ea typeface="Times New Roman" panose="02020603050405020304" pitchFamily="18" charset="0"/>
+                <a:cs typeface="Times New Roman" panose="02020603050405020304" pitchFamily="18" charset="0"/>
+              </a:rPr>
+              <a:t>Example</a:t>
+            </a:r>
+            <a:r>
+              <a:rPr lang="en-US" dirty="0">
+                <a:latin typeface="Calibri" panose="020F0502020204030204" pitchFamily="34" charset="0"/>
+                <a:ea typeface="Times New Roman" panose="02020603050405020304" pitchFamily="18" charset="0"/>
+                <a:cs typeface="Times New Roman" panose="02020603050405020304" pitchFamily="18" charset="0"/>
+              </a:rPr>
+              <a:t>:       </a:t>
+            </a:r>
+            <a:endParaRPr lang="en-US" dirty="0" smtClean="0">
+              <a:latin typeface="Calibri" panose="020F0502020204030204" pitchFamily="34" charset="0"/>
+              <a:ea typeface="Times New Roman" panose="02020603050405020304" pitchFamily="18" charset="0"/>
+              <a:cs typeface="Times New Roman" panose="02020603050405020304" pitchFamily="18" charset="0"/>
+            </a:endParaRPr>
+          </a:p>
+          <a:p>
+            <a:pPr marR="0" lvl="0">
+              <a:lnSpc>
+                <a:spcPct val="115000"/>
+              </a:lnSpc>
+              <a:spcBef>
+                <a:spcPts val="0"/>
+              </a:spcBef>
+            </a:pPr>
+            <a:r>
+              <a:rPr lang="en-US" dirty="0" smtClean="0">
+                <a:latin typeface="Courier New" panose="02070309020205020404" pitchFamily="49" charset="0"/>
+                <a:ea typeface="Times New Roman" panose="02020603050405020304" pitchFamily="18" charset="0"/>
+                <a:cs typeface="Times New Roman" panose="02020603050405020304" pitchFamily="18" charset="0"/>
+              </a:rPr>
+              <a:t>y </a:t>
+            </a:r>
+            <a:r>
+              <a:rPr lang="en-US" dirty="0">
+                <a:latin typeface="Courier New" panose="02070309020205020404" pitchFamily="49" charset="0"/>
+                <a:ea typeface="Times New Roman" panose="02020603050405020304" pitchFamily="18" charset="0"/>
+                <a:cs typeface="Times New Roman" panose="02020603050405020304" pitchFamily="18" charset="0"/>
+              </a:rPr>
+              <a:t>= ( </a:t>
+            </a:r>
+            <a:r>
+              <a:rPr lang="en-US" dirty="0" smtClean="0">
+                <a:latin typeface="Courier New" panose="02070309020205020404" pitchFamily="49" charset="0"/>
+                <a:ea typeface="Times New Roman" panose="02020603050405020304" pitchFamily="18" charset="0"/>
+                <a:cs typeface="Times New Roman" panose="02020603050405020304" pitchFamily="18" charset="0"/>
+              </a:rPr>
+              <a:t>5 </a:t>
+            </a:r>
+            <a:r>
+              <a:rPr lang="en-US" dirty="0">
+                <a:latin typeface="Courier New" panose="02070309020205020404" pitchFamily="49" charset="0"/>
+                <a:ea typeface="Times New Roman" panose="02020603050405020304" pitchFamily="18" charset="0"/>
+                <a:cs typeface="Times New Roman" panose="02020603050405020304" pitchFamily="18" charset="0"/>
+              </a:rPr>
+              <a:t>&lt;= x) &amp;&amp; (x &lt;= </a:t>
+            </a:r>
+            <a:r>
+              <a:rPr lang="en-US" dirty="0" smtClean="0">
+                <a:latin typeface="Courier New" panose="02070309020205020404" pitchFamily="49" charset="0"/>
+                <a:ea typeface="Times New Roman" panose="02020603050405020304" pitchFamily="18" charset="0"/>
+                <a:cs typeface="Times New Roman" panose="02020603050405020304" pitchFamily="18" charset="0"/>
+              </a:rPr>
+              <a:t>10)</a:t>
+            </a:r>
+            <a:r>
+              <a:rPr lang="en-US" dirty="0" smtClean="0">
+                <a:latin typeface="Calibri" panose="020F0502020204030204" pitchFamily="34" charset="0"/>
+                <a:ea typeface="Times New Roman" panose="02020603050405020304" pitchFamily="18" charset="0"/>
+                <a:cs typeface="Times New Roman" panose="02020603050405020304" pitchFamily="18" charset="0"/>
+              </a:rPr>
+              <a:t>               /* true (i.e. 1) </a:t>
+            </a:r>
+            <a:r>
+              <a:rPr lang="en-US" dirty="0">
+                <a:latin typeface="Calibri" panose="020F0502020204030204" pitchFamily="34" charset="0"/>
+                <a:ea typeface="Times New Roman" panose="02020603050405020304" pitchFamily="18" charset="0"/>
+                <a:cs typeface="Times New Roman" panose="02020603050405020304" pitchFamily="18" charset="0"/>
+              </a:rPr>
+              <a:t>if </a:t>
+            </a:r>
+            <a:r>
+              <a:rPr lang="en-US" dirty="0" smtClean="0">
+                <a:latin typeface="Calibri" panose="020F0502020204030204" pitchFamily="34" charset="0"/>
+                <a:ea typeface="Times New Roman" panose="02020603050405020304" pitchFamily="18" charset="0"/>
+                <a:cs typeface="Times New Roman" panose="02020603050405020304" pitchFamily="18" charset="0"/>
+              </a:rPr>
+              <a:t>5 </a:t>
+            </a:r>
+            <a:r>
+              <a:rPr lang="en-US" dirty="0">
+                <a:latin typeface="Calibri" panose="020F0502020204030204" pitchFamily="34" charset="0"/>
+                <a:ea typeface="Times New Roman" panose="02020603050405020304" pitchFamily="18" charset="0"/>
+                <a:cs typeface="Times New Roman" panose="02020603050405020304" pitchFamily="18" charset="0"/>
+              </a:rPr>
+              <a:t>&lt;=x</a:t>
+            </a:r>
+            <a:r>
+              <a:rPr lang="en-US" dirty="0" smtClean="0">
+                <a:latin typeface="Calibri" panose="020F0502020204030204" pitchFamily="34" charset="0"/>
+                <a:ea typeface="Times New Roman" panose="02020603050405020304" pitchFamily="18" charset="0"/>
+                <a:cs typeface="Times New Roman" panose="02020603050405020304" pitchFamily="18" charset="0"/>
+              </a:rPr>
+              <a:t>&lt;=10, </a:t>
+            </a:r>
+            <a:r>
+              <a:rPr lang="en-US" dirty="0">
+                <a:latin typeface="Calibri" panose="020F0502020204030204" pitchFamily="34" charset="0"/>
+                <a:ea typeface="Times New Roman" panose="02020603050405020304" pitchFamily="18" charset="0"/>
+                <a:cs typeface="Times New Roman" panose="02020603050405020304" pitchFamily="18" charset="0"/>
+              </a:rPr>
+              <a:t>otherwise false */</a:t>
+            </a:r>
+          </a:p>
+        </p:txBody>
+      </p:sp>
     </p:spTree>
     <p:extLst>
       <p:ext uri="{BB962C8B-B14F-4D97-AF65-F5344CB8AC3E}">
-        <p14:creationId xmlns:p14="http://schemas.microsoft.com/office/powerpoint/2010/main" val="550904017"/>
+        <p14:creationId xmlns:p14="http://schemas.microsoft.com/office/powerpoint/2010/main" val="2932072119"/>
       </p:ext>
     </p:extLst>
   </p:cSld>
